--- a/06_Triggers/06-03_en_Triggers - part 3.pptx
+++ b/06_Triggers/06-03_en_Triggers - part 3.pptx
@@ -5141,7 +5141,7 @@
         </p:spPr>
         <p:txBody>
           <a:bodyPr>
-            <a:normAutofit/>
+            <a:normAutofit fontScale="92500" lnSpcReduction="20000"/>
           </a:bodyPr>
           <a:lstStyle/>
           <a:p>
@@ -5507,11 +5507,30 @@
           </a:p>
           <a:p>
             <a:pPr lvl="1"/>
-            <a:endParaRPr lang="ro-RO" sz="2000" dirty="0">
-              <a:latin typeface="Avenir Medium"/>
-            </a:endParaRPr>
-          </a:p>
-          <a:p>
+            <a:r>
+              <a:rPr lang="en" sz="2000" dirty="0">
+                <a:latin typeface="Avenir Medium"/>
+              </a:rPr>
+              <a:t>06-03a_en_logs_and_triggers.sql</a:t>
+            </a:r>
+          </a:p>
+          <a:p>
+            <a:pPr lvl="1"/>
+            <a:r>
+              <a:rPr lang="ro-RO" sz="2000" dirty="0">
+                <a:latin typeface="Avenir Medium"/>
+              </a:rPr>
+              <a:t>06-03b_en_general_log.sql</a:t>
+            </a:r>
+          </a:p>
+          <a:p>
+            <a:pPr lvl="1"/>
+            <a:r>
+              <a:rPr lang="en" sz="2000" dirty="0">
+                <a:latin typeface="Avenir Medium"/>
+              </a:rPr>
+              <a:t>06-03c_en_protecting_denormalized_attributes.sql</a:t>
+            </a:r>
             <a:endParaRPr lang="ro-RO" sz="2400" dirty="0">
               <a:latin typeface="Avenir Medium"/>
               <a:cs typeface="Avenir Medium"/>

--- a/06_Triggers/06-03_en_Triggers - part 3.pptx
+++ b/06_Triggers/06-03_en_Triggers - part 3.pptx
@@ -7,7 +7,8 @@
   <p:sldIdLst>
     <p:sldId id="256" r:id="rId2"/>
     <p:sldId id="552" r:id="rId3"/>
-    <p:sldId id="545" r:id="rId4"/>
+    <p:sldId id="555" r:id="rId4"/>
+    <p:sldId id="545" r:id="rId5"/>
   </p:sldIdLst>
   <p:sldSz cx="9144000" cy="6858000" type="screen4x3"/>
   <p:notesSz cx="6858000" cy="9144000"/>
@@ -5052,6 +5053,2681 @@
 </file>
 
 <file path=ppt/slides/slide3.xml><?xml version="1.0" encoding="utf-8"?>
+<p:sld xmlns:a="http://schemas.openxmlformats.org/drawingml/2006/main" xmlns:r="http://schemas.openxmlformats.org/officeDocument/2006/relationships" xmlns:p="http://schemas.openxmlformats.org/presentationml/2006/main">
+  <p:cSld>
+    <p:spTree>
+      <p:nvGrpSpPr>
+        <p:cNvPr id="1" name=""/>
+        <p:cNvGrpSpPr/>
+        <p:nvPr/>
+      </p:nvGrpSpPr>
+      <p:grpSpPr>
+        <a:xfrm>
+          <a:off x="0" y="0"/>
+          <a:ext cx="0" cy="0"/>
+          <a:chOff x="0" y="0"/>
+          <a:chExt cx="0" cy="0"/>
+        </a:xfrm>
+      </p:grpSpPr>
+      <p:sp>
+        <p:nvSpPr>
+          <p:cNvPr id="2" name="Title 1"/>
+          <p:cNvSpPr>
+            <a:spLocks noGrp="1"/>
+          </p:cNvSpPr>
+          <p:nvPr>
+            <p:ph type="title"/>
+          </p:nvPr>
+        </p:nvSpPr>
+        <p:spPr>
+          <a:xfrm>
+            <a:off x="0" y="-8371"/>
+            <a:ext cx="9144000" cy="860987"/>
+          </a:xfrm>
+        </p:spPr>
+        <p:txBody>
+          <a:bodyPr anchor="ctr">
+            <a:normAutofit fontScale="90000"/>
+          </a:bodyPr>
+          <a:lstStyle/>
+          <a:p>
+            <a:pPr algn="ctr"/>
+            <a:r>
+              <a:rPr lang="ro-RO" sz="3600" dirty="0" err="1">
+                <a:latin typeface="American Typewriter"/>
+                <a:ea typeface="Arial Unicode MS" panose="020B0604020202020204" pitchFamily="34" charset="-128"/>
+                <a:cs typeface="American Typewriter"/>
+              </a:rPr>
+              <a:t>Protecting</a:t>
+            </a:r>
+            <a:r>
+              <a:rPr lang="ro-RO" sz="3600" dirty="0">
+                <a:latin typeface="American Typewriter"/>
+                <a:ea typeface="Arial Unicode MS" panose="020B0604020202020204" pitchFamily="34" charset="-128"/>
+                <a:cs typeface="American Typewriter"/>
+              </a:rPr>
+              <a:t> (</a:t>
+            </a:r>
+            <a:r>
+              <a:rPr lang="ro-RO" sz="3600" dirty="0" err="1">
+                <a:latin typeface="American Typewriter"/>
+                <a:ea typeface="Arial Unicode MS" panose="020B0604020202020204" pitchFamily="34" charset="-128"/>
+                <a:cs typeface="American Typewriter"/>
+              </a:rPr>
+              <a:t>Keeping</a:t>
+            </a:r>
+            <a:r>
+              <a:rPr lang="ro-RO" sz="3600" dirty="0">
+                <a:latin typeface="American Typewriter"/>
+                <a:ea typeface="Arial Unicode MS" panose="020B0604020202020204" pitchFamily="34" charset="-128"/>
+                <a:cs typeface="American Typewriter"/>
+              </a:rPr>
+              <a:t> in </a:t>
+            </a:r>
+            <a:r>
+              <a:rPr lang="ro-RO" sz="3600" dirty="0" err="1">
+                <a:latin typeface="American Typewriter"/>
+                <a:ea typeface="Arial Unicode MS" panose="020B0604020202020204" pitchFamily="34" charset="-128"/>
+                <a:cs typeface="American Typewriter"/>
+              </a:rPr>
+              <a:t>sync</a:t>
+            </a:r>
+            <a:r>
+              <a:rPr lang="ro-RO" sz="3600" dirty="0">
+                <a:latin typeface="American Typewriter"/>
+                <a:ea typeface="Arial Unicode MS" panose="020B0604020202020204" pitchFamily="34" charset="-128"/>
+                <a:cs typeface="American Typewriter"/>
+              </a:rPr>
+              <a:t>) </a:t>
+            </a:r>
+            <a:r>
+              <a:rPr lang="ro-RO" sz="3600" dirty="0" err="1">
+                <a:latin typeface="American Typewriter"/>
+                <a:ea typeface="Arial Unicode MS" panose="020B0604020202020204" pitchFamily="34" charset="-128"/>
+                <a:cs typeface="American Typewriter"/>
+              </a:rPr>
+              <a:t>the</a:t>
+            </a:r>
+            <a:r>
+              <a:rPr lang="ro-RO" sz="3600" dirty="0">
+                <a:latin typeface="American Typewriter"/>
+                <a:ea typeface="Arial Unicode MS" panose="020B0604020202020204" pitchFamily="34" charset="-128"/>
+                <a:cs typeface="American Typewriter"/>
+              </a:rPr>
+              <a:t> </a:t>
+            </a:r>
+            <a:r>
+              <a:rPr lang="ro-RO" sz="3600" dirty="0" err="1">
+                <a:latin typeface="American Typewriter"/>
+                <a:ea typeface="Arial Unicode MS" panose="020B0604020202020204" pitchFamily="34" charset="-128"/>
+                <a:cs typeface="American Typewriter"/>
+              </a:rPr>
+              <a:t>Computed</a:t>
+            </a:r>
+            <a:r>
+              <a:rPr lang="ro-RO" sz="3600" dirty="0">
+                <a:latin typeface="American Typewriter"/>
+                <a:ea typeface="Arial Unicode MS" panose="020B0604020202020204" pitchFamily="34" charset="-128"/>
+                <a:cs typeface="American Typewriter"/>
+              </a:rPr>
+              <a:t>/</a:t>
+            </a:r>
+            <a:r>
+              <a:rPr lang="ro-RO" sz="3600" dirty="0" err="1">
+                <a:latin typeface="American Typewriter"/>
+                <a:ea typeface="Arial Unicode MS" panose="020B0604020202020204" pitchFamily="34" charset="-128"/>
+                <a:cs typeface="American Typewriter"/>
+              </a:rPr>
+              <a:t>Denormalized</a:t>
+            </a:r>
+            <a:r>
+              <a:rPr lang="ro-RO" sz="3600" dirty="0">
+                <a:latin typeface="American Typewriter"/>
+                <a:ea typeface="Arial Unicode MS" panose="020B0604020202020204" pitchFamily="34" charset="-128"/>
+                <a:cs typeface="American Typewriter"/>
+              </a:rPr>
+              <a:t> </a:t>
+            </a:r>
+            <a:r>
+              <a:rPr lang="ro-RO" sz="3600" dirty="0" err="1">
+                <a:latin typeface="American Typewriter"/>
+                <a:ea typeface="Arial Unicode MS" panose="020B0604020202020204" pitchFamily="34" charset="-128"/>
+                <a:cs typeface="American Typewriter"/>
+              </a:rPr>
+              <a:t>Attributes</a:t>
+            </a:r>
+            <a:endParaRPr lang="en-US" sz="3600" dirty="0">
+              <a:latin typeface="American Typewriter"/>
+              <a:ea typeface="Arial Unicode MS" panose="020B0604020202020204" pitchFamily="34" charset="-128"/>
+              <a:cs typeface="American Typewriter"/>
+            </a:endParaRPr>
+          </a:p>
+        </p:txBody>
+      </p:sp>
+      <p:pic>
+        <p:nvPicPr>
+          <p:cNvPr id="8" name="Picture 7">
+            <a:extLst>
+              <a:ext uri="{FF2B5EF4-FFF2-40B4-BE49-F238E27FC236}">
+                <a16:creationId xmlns:a16="http://schemas.microsoft.com/office/drawing/2014/main" id="{5945716E-36A6-A24D-B145-CDA32862CFDC}"/>
+              </a:ext>
+            </a:extLst>
+          </p:cNvPr>
+          <p:cNvPicPr>
+            <a:picLocks noChangeAspect="1"/>
+          </p:cNvPicPr>
+          <p:nvPr/>
+        </p:nvPicPr>
+        <p:blipFill>
+          <a:blip r:embed="rId2">
+            <a:extLst>
+              <a:ext uri="{28A0092B-C50C-407E-A947-70E740481C1C}">
+                <a14:useLocalDpi xmlns:a14="http://schemas.microsoft.com/office/drawing/2010/main" val="0"/>
+              </a:ext>
+            </a:extLst>
+          </a:blip>
+          <a:stretch>
+            <a:fillRect/>
+          </a:stretch>
+        </p:blipFill>
+        <p:spPr>
+          <a:xfrm>
+            <a:off x="23190" y="923932"/>
+            <a:ext cx="9144000" cy="5944007"/>
+          </a:xfrm>
+          <a:prstGeom prst="rect">
+            <a:avLst/>
+          </a:prstGeom>
+          <a:solidFill>
+            <a:schemeClr val="accent5"/>
+          </a:solidFill>
+        </p:spPr>
+      </p:pic>
+      <p:sp>
+        <p:nvSpPr>
+          <p:cNvPr id="58" name="Oval 57">
+            <a:extLst>
+              <a:ext uri="{FF2B5EF4-FFF2-40B4-BE49-F238E27FC236}">
+                <a16:creationId xmlns:a16="http://schemas.microsoft.com/office/drawing/2014/main" id="{88AD2250-F5F4-5541-91A5-1B7397B32668}"/>
+              </a:ext>
+            </a:extLst>
+          </p:cNvPr>
+          <p:cNvSpPr/>
+          <p:nvPr/>
+        </p:nvSpPr>
+        <p:spPr>
+          <a:xfrm>
+            <a:off x="1524000" y="4038600"/>
+            <a:ext cx="1143000" cy="566938"/>
+          </a:xfrm>
+          <a:prstGeom prst="ellipse">
+            <a:avLst/>
+          </a:prstGeom>
+          <a:noFill/>
+          <a:ln w="9525">
+            <a:solidFill>
+              <a:schemeClr val="accent5"/>
+            </a:solidFill>
+          </a:ln>
+        </p:spPr>
+        <p:style>
+          <a:lnRef idx="2">
+            <a:schemeClr val="accent1">
+              <a:shade val="50000"/>
+            </a:schemeClr>
+          </a:lnRef>
+          <a:fillRef idx="1">
+            <a:schemeClr val="accent1"/>
+          </a:fillRef>
+          <a:effectRef idx="0">
+            <a:schemeClr val="accent1"/>
+          </a:effectRef>
+          <a:fontRef idx="minor">
+            <a:schemeClr val="lt1"/>
+          </a:fontRef>
+        </p:style>
+        <p:txBody>
+          <a:bodyPr rtlCol="0" anchor="ctr"/>
+          <a:lstStyle/>
+          <a:p>
+            <a:pPr algn="ctr"/>
+            <a:endParaRPr lang="ro-RO" dirty="0"/>
+          </a:p>
+        </p:txBody>
+      </p:sp>
+      <p:sp>
+        <p:nvSpPr>
+          <p:cNvPr id="60" name="Oval 59">
+            <a:extLst>
+              <a:ext uri="{FF2B5EF4-FFF2-40B4-BE49-F238E27FC236}">
+                <a16:creationId xmlns:a16="http://schemas.microsoft.com/office/drawing/2014/main" id="{C2F90330-867E-C745-B050-18375C90BE84}"/>
+              </a:ext>
+            </a:extLst>
+          </p:cNvPr>
+          <p:cNvSpPr/>
+          <p:nvPr/>
+        </p:nvSpPr>
+        <p:spPr>
+          <a:xfrm>
+            <a:off x="1752600" y="5181600"/>
+            <a:ext cx="1219200" cy="457200"/>
+          </a:xfrm>
+          <a:prstGeom prst="ellipse">
+            <a:avLst/>
+          </a:prstGeom>
+          <a:noFill/>
+          <a:ln w="9525">
+            <a:solidFill>
+              <a:schemeClr val="accent5"/>
+            </a:solidFill>
+          </a:ln>
+        </p:spPr>
+        <p:style>
+          <a:lnRef idx="2">
+            <a:schemeClr val="accent1">
+              <a:shade val="50000"/>
+            </a:schemeClr>
+          </a:lnRef>
+          <a:fillRef idx="1">
+            <a:schemeClr val="accent1"/>
+          </a:fillRef>
+          <a:effectRef idx="0">
+            <a:schemeClr val="accent1"/>
+          </a:effectRef>
+          <a:fontRef idx="minor">
+            <a:schemeClr val="lt1"/>
+          </a:fontRef>
+        </p:style>
+        <p:txBody>
+          <a:bodyPr rtlCol="0" anchor="ctr"/>
+          <a:lstStyle/>
+          <a:p>
+            <a:pPr algn="ctr"/>
+            <a:endParaRPr lang="ro-RO" dirty="0"/>
+          </a:p>
+        </p:txBody>
+      </p:sp>
+      <p:sp>
+        <p:nvSpPr>
+          <p:cNvPr id="61" name="Oval 60">
+            <a:extLst>
+              <a:ext uri="{FF2B5EF4-FFF2-40B4-BE49-F238E27FC236}">
+                <a16:creationId xmlns:a16="http://schemas.microsoft.com/office/drawing/2014/main" id="{C1380365-3C84-8B46-99C2-B2B38F682D25}"/>
+              </a:ext>
+            </a:extLst>
+          </p:cNvPr>
+          <p:cNvSpPr/>
+          <p:nvPr/>
+        </p:nvSpPr>
+        <p:spPr>
+          <a:xfrm>
+            <a:off x="3124200" y="3429000"/>
+            <a:ext cx="1066800" cy="533400"/>
+          </a:xfrm>
+          <a:prstGeom prst="ellipse">
+            <a:avLst/>
+          </a:prstGeom>
+          <a:noFill/>
+          <a:ln w="9525">
+            <a:solidFill>
+              <a:schemeClr val="accent5"/>
+            </a:solidFill>
+          </a:ln>
+        </p:spPr>
+        <p:style>
+          <a:lnRef idx="2">
+            <a:schemeClr val="accent1">
+              <a:shade val="50000"/>
+            </a:schemeClr>
+          </a:lnRef>
+          <a:fillRef idx="1">
+            <a:schemeClr val="accent1"/>
+          </a:fillRef>
+          <a:effectRef idx="0">
+            <a:schemeClr val="accent1"/>
+          </a:effectRef>
+          <a:fontRef idx="minor">
+            <a:schemeClr val="lt1"/>
+          </a:fontRef>
+        </p:style>
+        <p:txBody>
+          <a:bodyPr rtlCol="0" anchor="ctr"/>
+          <a:lstStyle/>
+          <a:p>
+            <a:pPr algn="ctr"/>
+            <a:endParaRPr lang="ro-RO" dirty="0"/>
+          </a:p>
+        </p:txBody>
+      </p:sp>
+      <p:sp>
+        <p:nvSpPr>
+          <p:cNvPr id="28" name="Oval 27">
+            <a:extLst>
+              <a:ext uri="{FF2B5EF4-FFF2-40B4-BE49-F238E27FC236}">
+                <a16:creationId xmlns:a16="http://schemas.microsoft.com/office/drawing/2014/main" id="{E1BE933F-B2D8-2742-9871-08F6F5B97D04}"/>
+              </a:ext>
+            </a:extLst>
+          </p:cNvPr>
+          <p:cNvSpPr/>
+          <p:nvPr/>
+        </p:nvSpPr>
+        <p:spPr>
+          <a:xfrm>
+            <a:off x="4974537" y="2782933"/>
+            <a:ext cx="740463" cy="188867"/>
+          </a:xfrm>
+          <a:prstGeom prst="ellipse">
+            <a:avLst/>
+          </a:prstGeom>
+          <a:noFill/>
+          <a:ln w="9525">
+            <a:solidFill>
+              <a:schemeClr val="accent5"/>
+            </a:solidFill>
+          </a:ln>
+        </p:spPr>
+        <p:style>
+          <a:lnRef idx="2">
+            <a:schemeClr val="accent1">
+              <a:shade val="50000"/>
+            </a:schemeClr>
+          </a:lnRef>
+          <a:fillRef idx="1">
+            <a:schemeClr val="accent1"/>
+          </a:fillRef>
+          <a:effectRef idx="0">
+            <a:schemeClr val="accent1"/>
+          </a:effectRef>
+          <a:fontRef idx="minor">
+            <a:schemeClr val="lt1"/>
+          </a:fontRef>
+        </p:style>
+        <p:txBody>
+          <a:bodyPr rtlCol="0" anchor="ctr"/>
+          <a:lstStyle/>
+          <a:p>
+            <a:pPr algn="ctr"/>
+            <a:endParaRPr lang="ro-RO" dirty="0"/>
+          </a:p>
+        </p:txBody>
+      </p:sp>
+      <p:sp>
+        <p:nvSpPr>
+          <p:cNvPr id="29" name="Oval 28">
+            <a:extLst>
+              <a:ext uri="{FF2B5EF4-FFF2-40B4-BE49-F238E27FC236}">
+                <a16:creationId xmlns:a16="http://schemas.microsoft.com/office/drawing/2014/main" id="{F314EEEF-F89A-0647-88B3-4B04BDD8883C}"/>
+              </a:ext>
+            </a:extLst>
+          </p:cNvPr>
+          <p:cNvSpPr/>
+          <p:nvPr/>
+        </p:nvSpPr>
+        <p:spPr>
+          <a:xfrm>
+            <a:off x="7312716" y="1603076"/>
+            <a:ext cx="740463" cy="188867"/>
+          </a:xfrm>
+          <a:prstGeom prst="ellipse">
+            <a:avLst/>
+          </a:prstGeom>
+          <a:noFill/>
+          <a:ln w="9525">
+            <a:solidFill>
+              <a:schemeClr val="accent5"/>
+            </a:solidFill>
+          </a:ln>
+        </p:spPr>
+        <p:style>
+          <a:lnRef idx="2">
+            <a:schemeClr val="accent1">
+              <a:shade val="50000"/>
+            </a:schemeClr>
+          </a:lnRef>
+          <a:fillRef idx="1">
+            <a:schemeClr val="accent1"/>
+          </a:fillRef>
+          <a:effectRef idx="0">
+            <a:schemeClr val="accent1"/>
+          </a:effectRef>
+          <a:fontRef idx="minor">
+            <a:schemeClr val="lt1"/>
+          </a:fontRef>
+        </p:style>
+        <p:txBody>
+          <a:bodyPr rtlCol="0" anchor="ctr"/>
+          <a:lstStyle/>
+          <a:p>
+            <a:pPr algn="ctr"/>
+            <a:endParaRPr lang="ro-RO" dirty="0"/>
+          </a:p>
+        </p:txBody>
+      </p:sp>
+      <p:sp>
+        <p:nvSpPr>
+          <p:cNvPr id="32" name="Oval 31">
+            <a:extLst>
+              <a:ext uri="{FF2B5EF4-FFF2-40B4-BE49-F238E27FC236}">
+                <a16:creationId xmlns:a16="http://schemas.microsoft.com/office/drawing/2014/main" id="{3E6155C2-E201-C843-A0D9-171D9960BC3E}"/>
+              </a:ext>
+            </a:extLst>
+          </p:cNvPr>
+          <p:cNvSpPr/>
+          <p:nvPr/>
+        </p:nvSpPr>
+        <p:spPr>
+          <a:xfrm>
+            <a:off x="7123048" y="4157462"/>
+            <a:ext cx="1335152" cy="566938"/>
+          </a:xfrm>
+          <a:prstGeom prst="ellipse">
+            <a:avLst/>
+          </a:prstGeom>
+          <a:noFill/>
+          <a:ln w="9525">
+            <a:solidFill>
+              <a:schemeClr val="accent5"/>
+            </a:solidFill>
+          </a:ln>
+        </p:spPr>
+        <p:style>
+          <a:lnRef idx="2">
+            <a:schemeClr val="accent1">
+              <a:shade val="50000"/>
+            </a:schemeClr>
+          </a:lnRef>
+          <a:fillRef idx="1">
+            <a:schemeClr val="accent1"/>
+          </a:fillRef>
+          <a:effectRef idx="0">
+            <a:schemeClr val="accent1"/>
+          </a:effectRef>
+          <a:fontRef idx="minor">
+            <a:schemeClr val="lt1"/>
+          </a:fontRef>
+        </p:style>
+        <p:txBody>
+          <a:bodyPr rtlCol="0" anchor="ctr"/>
+          <a:lstStyle/>
+          <a:p>
+            <a:pPr algn="ctr"/>
+            <a:endParaRPr lang="ro-RO" dirty="0"/>
+          </a:p>
+        </p:txBody>
+      </p:sp>
+      <p:sp>
+        <p:nvSpPr>
+          <p:cNvPr id="33" name="Oval 32">
+            <a:extLst>
+              <a:ext uri="{FF2B5EF4-FFF2-40B4-BE49-F238E27FC236}">
+                <a16:creationId xmlns:a16="http://schemas.microsoft.com/office/drawing/2014/main" id="{C7D8DE79-D0CA-FA40-B874-ED3020EC75AD}"/>
+              </a:ext>
+            </a:extLst>
+          </p:cNvPr>
+          <p:cNvSpPr/>
+          <p:nvPr/>
+        </p:nvSpPr>
+        <p:spPr>
+          <a:xfrm>
+            <a:off x="7416250" y="4793981"/>
+            <a:ext cx="813350" cy="159019"/>
+          </a:xfrm>
+          <a:prstGeom prst="ellipse">
+            <a:avLst/>
+          </a:prstGeom>
+          <a:noFill/>
+          <a:ln w="9525">
+            <a:solidFill>
+              <a:schemeClr val="accent5"/>
+            </a:solidFill>
+          </a:ln>
+        </p:spPr>
+        <p:style>
+          <a:lnRef idx="2">
+            <a:schemeClr val="accent1">
+              <a:shade val="50000"/>
+            </a:schemeClr>
+          </a:lnRef>
+          <a:fillRef idx="1">
+            <a:schemeClr val="accent1"/>
+          </a:fillRef>
+          <a:effectRef idx="0">
+            <a:schemeClr val="accent1"/>
+          </a:effectRef>
+          <a:fontRef idx="minor">
+            <a:schemeClr val="lt1"/>
+          </a:fontRef>
+        </p:style>
+        <p:txBody>
+          <a:bodyPr rtlCol="0" anchor="ctr"/>
+          <a:lstStyle/>
+          <a:p>
+            <a:pPr algn="ctr"/>
+            <a:endParaRPr lang="ro-RO" dirty="0"/>
+          </a:p>
+        </p:txBody>
+      </p:sp>
+      <p:sp>
+        <p:nvSpPr>
+          <p:cNvPr id="43" name="Oval 42">
+            <a:extLst>
+              <a:ext uri="{FF2B5EF4-FFF2-40B4-BE49-F238E27FC236}">
+                <a16:creationId xmlns:a16="http://schemas.microsoft.com/office/drawing/2014/main" id="{61571555-3AF4-FC44-A30C-5E9A187CF8D0}"/>
+              </a:ext>
+            </a:extLst>
+          </p:cNvPr>
+          <p:cNvSpPr/>
+          <p:nvPr/>
+        </p:nvSpPr>
+        <p:spPr>
+          <a:xfrm>
+            <a:off x="5105400" y="6089381"/>
+            <a:ext cx="813350" cy="159019"/>
+          </a:xfrm>
+          <a:prstGeom prst="ellipse">
+            <a:avLst/>
+          </a:prstGeom>
+          <a:noFill/>
+          <a:ln w="9525">
+            <a:solidFill>
+              <a:schemeClr val="accent5"/>
+            </a:solidFill>
+          </a:ln>
+        </p:spPr>
+        <p:style>
+          <a:lnRef idx="2">
+            <a:schemeClr val="accent1">
+              <a:shade val="50000"/>
+            </a:schemeClr>
+          </a:lnRef>
+          <a:fillRef idx="1">
+            <a:schemeClr val="accent1"/>
+          </a:fillRef>
+          <a:effectRef idx="0">
+            <a:schemeClr val="accent1"/>
+          </a:effectRef>
+          <a:fontRef idx="minor">
+            <a:schemeClr val="lt1"/>
+          </a:fontRef>
+        </p:style>
+        <p:txBody>
+          <a:bodyPr rtlCol="0" anchor="ctr"/>
+          <a:lstStyle/>
+          <a:p>
+            <a:pPr algn="ctr"/>
+            <a:endParaRPr lang="ro-RO" dirty="0"/>
+          </a:p>
+        </p:txBody>
+      </p:sp>
+      <p:sp>
+        <p:nvSpPr>
+          <p:cNvPr id="12" name="Oval 11">
+            <a:extLst>
+              <a:ext uri="{FF2B5EF4-FFF2-40B4-BE49-F238E27FC236}">
+                <a16:creationId xmlns:a16="http://schemas.microsoft.com/office/drawing/2014/main" id="{F907652C-F49B-EB47-96B5-C71ED5BE0546}"/>
+              </a:ext>
+            </a:extLst>
+          </p:cNvPr>
+          <p:cNvSpPr/>
+          <p:nvPr/>
+        </p:nvSpPr>
+        <p:spPr>
+          <a:xfrm>
+            <a:off x="4708664" y="4876800"/>
+            <a:ext cx="813350" cy="159019"/>
+          </a:xfrm>
+          <a:prstGeom prst="ellipse">
+            <a:avLst/>
+          </a:prstGeom>
+          <a:noFill/>
+          <a:ln w="9525">
+            <a:solidFill>
+              <a:schemeClr val="accent5"/>
+            </a:solidFill>
+          </a:ln>
+        </p:spPr>
+        <p:style>
+          <a:lnRef idx="2">
+            <a:schemeClr val="accent1">
+              <a:shade val="50000"/>
+            </a:schemeClr>
+          </a:lnRef>
+          <a:fillRef idx="1">
+            <a:schemeClr val="accent1"/>
+          </a:fillRef>
+          <a:effectRef idx="0">
+            <a:schemeClr val="accent1"/>
+          </a:effectRef>
+          <a:fontRef idx="minor">
+            <a:schemeClr val="lt1"/>
+          </a:fontRef>
+        </p:style>
+        <p:txBody>
+          <a:bodyPr rtlCol="0" anchor="ctr"/>
+          <a:lstStyle/>
+          <a:p>
+            <a:pPr algn="ctr"/>
+            <a:endParaRPr lang="ro-RO" dirty="0"/>
+          </a:p>
+        </p:txBody>
+      </p:sp>
+      <p:sp>
+        <p:nvSpPr>
+          <p:cNvPr id="13" name="Oval 12">
+            <a:extLst>
+              <a:ext uri="{FF2B5EF4-FFF2-40B4-BE49-F238E27FC236}">
+                <a16:creationId xmlns:a16="http://schemas.microsoft.com/office/drawing/2014/main" id="{3DC3546D-D3CB-2F4E-A15C-86B19765BD19}"/>
+              </a:ext>
+            </a:extLst>
+          </p:cNvPr>
+          <p:cNvSpPr/>
+          <p:nvPr/>
+        </p:nvSpPr>
+        <p:spPr>
+          <a:xfrm flipV="1">
+            <a:off x="4343400" y="4605535"/>
+            <a:ext cx="76200" cy="118864"/>
+          </a:xfrm>
+          <a:prstGeom prst="ellipse">
+            <a:avLst/>
+          </a:prstGeom>
+          <a:solidFill>
+            <a:schemeClr val="accent5"/>
+          </a:solidFill>
+          <a:ln w="9525">
+            <a:solidFill>
+              <a:schemeClr val="accent5"/>
+            </a:solidFill>
+          </a:ln>
+        </p:spPr>
+        <p:style>
+          <a:lnRef idx="2">
+            <a:schemeClr val="accent1">
+              <a:shade val="50000"/>
+            </a:schemeClr>
+          </a:lnRef>
+          <a:fillRef idx="1">
+            <a:schemeClr val="accent1"/>
+          </a:fillRef>
+          <a:effectRef idx="0">
+            <a:schemeClr val="accent1"/>
+          </a:effectRef>
+          <a:fontRef idx="minor">
+            <a:schemeClr val="lt1"/>
+          </a:fontRef>
+        </p:style>
+        <p:txBody>
+          <a:bodyPr rtlCol="0" anchor="ctr"/>
+          <a:lstStyle/>
+          <a:p>
+            <a:pPr algn="ctr"/>
+            <a:endParaRPr lang="ro-RO" dirty="0"/>
+          </a:p>
+        </p:txBody>
+      </p:sp>
+      <p:cxnSp>
+        <p:nvCxnSpPr>
+          <p:cNvPr id="14" name="Straight Arrow Connector 13">
+            <a:extLst>
+              <a:ext uri="{FF2B5EF4-FFF2-40B4-BE49-F238E27FC236}">
+                <a16:creationId xmlns:a16="http://schemas.microsoft.com/office/drawing/2014/main" id="{8650E2AA-72EB-C944-AAA7-C860FDFB6D8C}"/>
+              </a:ext>
+            </a:extLst>
+          </p:cNvPr>
+          <p:cNvCxnSpPr>
+            <a:cxnSpLocks/>
+          </p:cNvCxnSpPr>
+          <p:nvPr/>
+        </p:nvCxnSpPr>
+        <p:spPr>
+          <a:xfrm flipV="1">
+            <a:off x="1086263" y="4664967"/>
+            <a:ext cx="3245949" cy="358758"/>
+          </a:xfrm>
+          <a:prstGeom prst="straightConnector1">
+            <a:avLst/>
+          </a:prstGeom>
+          <a:ln w="12700">
+            <a:solidFill>
+              <a:srgbClr val="0070C0"/>
+            </a:solidFill>
+            <a:tailEnd type="triangle"/>
+          </a:ln>
+        </p:spPr>
+        <p:style>
+          <a:lnRef idx="1">
+            <a:schemeClr val="accent5"/>
+          </a:lnRef>
+          <a:fillRef idx="0">
+            <a:schemeClr val="accent5"/>
+          </a:fillRef>
+          <a:effectRef idx="0">
+            <a:schemeClr val="accent5"/>
+          </a:effectRef>
+          <a:fontRef idx="minor">
+            <a:schemeClr val="tx1"/>
+          </a:fontRef>
+        </p:style>
+      </p:cxnSp>
+      <p:cxnSp>
+        <p:nvCxnSpPr>
+          <p:cNvPr id="15" name="Straight Arrow Connector 14">
+            <a:extLst>
+              <a:ext uri="{FF2B5EF4-FFF2-40B4-BE49-F238E27FC236}">
+                <a16:creationId xmlns:a16="http://schemas.microsoft.com/office/drawing/2014/main" id="{04884965-A820-4C4B-A1FA-E5EBA50BEA73}"/>
+              </a:ext>
+            </a:extLst>
+          </p:cNvPr>
+          <p:cNvCxnSpPr>
+            <a:cxnSpLocks/>
+          </p:cNvCxnSpPr>
+          <p:nvPr/>
+        </p:nvCxnSpPr>
+        <p:spPr>
+          <a:xfrm flipV="1">
+            <a:off x="6791330" y="4216087"/>
+            <a:ext cx="722653" cy="38064"/>
+          </a:xfrm>
+          <a:prstGeom prst="straightConnector1">
+            <a:avLst/>
+          </a:prstGeom>
+          <a:ln w="12700">
+            <a:solidFill>
+              <a:schemeClr val="accent5"/>
+            </a:solidFill>
+            <a:tailEnd type="triangle"/>
+          </a:ln>
+        </p:spPr>
+        <p:style>
+          <a:lnRef idx="1">
+            <a:schemeClr val="accent5"/>
+          </a:lnRef>
+          <a:fillRef idx="0">
+            <a:schemeClr val="accent5"/>
+          </a:fillRef>
+          <a:effectRef idx="0">
+            <a:schemeClr val="accent5"/>
+          </a:effectRef>
+          <a:fontRef idx="minor">
+            <a:schemeClr val="tx1"/>
+          </a:fontRef>
+        </p:style>
+      </p:cxnSp>
+      <p:cxnSp>
+        <p:nvCxnSpPr>
+          <p:cNvPr id="16" name="Straight Arrow Connector 15">
+            <a:extLst>
+              <a:ext uri="{FF2B5EF4-FFF2-40B4-BE49-F238E27FC236}">
+                <a16:creationId xmlns:a16="http://schemas.microsoft.com/office/drawing/2014/main" id="{BF44018B-0FC3-EA45-969E-2980C7AEABB1}"/>
+              </a:ext>
+            </a:extLst>
+          </p:cNvPr>
+          <p:cNvCxnSpPr>
+            <a:cxnSpLocks/>
+          </p:cNvCxnSpPr>
+          <p:nvPr/>
+        </p:nvCxnSpPr>
+        <p:spPr>
+          <a:xfrm flipH="1">
+            <a:off x="4420849" y="4655028"/>
+            <a:ext cx="473255" cy="0"/>
+          </a:xfrm>
+          <a:prstGeom prst="straightConnector1">
+            <a:avLst/>
+          </a:prstGeom>
+          <a:ln w="12700">
+            <a:solidFill>
+              <a:schemeClr val="accent5"/>
+            </a:solidFill>
+            <a:tailEnd type="triangle"/>
+          </a:ln>
+        </p:spPr>
+        <p:style>
+          <a:lnRef idx="1">
+            <a:schemeClr val="accent5"/>
+          </a:lnRef>
+          <a:fillRef idx="0">
+            <a:schemeClr val="accent5"/>
+          </a:fillRef>
+          <a:effectRef idx="0">
+            <a:schemeClr val="accent5"/>
+          </a:effectRef>
+          <a:fontRef idx="minor">
+            <a:schemeClr val="tx1"/>
+          </a:fontRef>
+        </p:style>
+      </p:cxnSp>
+      <p:sp>
+        <p:nvSpPr>
+          <p:cNvPr id="19" name="Oval 18">
+            <a:extLst>
+              <a:ext uri="{FF2B5EF4-FFF2-40B4-BE49-F238E27FC236}">
+                <a16:creationId xmlns:a16="http://schemas.microsoft.com/office/drawing/2014/main" id="{E7E205FB-24F4-1A47-88B0-DB86BDCA6198}"/>
+              </a:ext>
+            </a:extLst>
+          </p:cNvPr>
+          <p:cNvSpPr/>
+          <p:nvPr/>
+        </p:nvSpPr>
+        <p:spPr>
+          <a:xfrm>
+            <a:off x="4800600" y="4465277"/>
+            <a:ext cx="813350" cy="159019"/>
+          </a:xfrm>
+          <a:prstGeom prst="ellipse">
+            <a:avLst/>
+          </a:prstGeom>
+          <a:noFill/>
+          <a:ln w="9525">
+            <a:solidFill>
+              <a:schemeClr val="accent5"/>
+            </a:solidFill>
+          </a:ln>
+        </p:spPr>
+        <p:style>
+          <a:lnRef idx="2">
+            <a:schemeClr val="accent1">
+              <a:shade val="50000"/>
+            </a:schemeClr>
+          </a:lnRef>
+          <a:fillRef idx="1">
+            <a:schemeClr val="accent1"/>
+          </a:fillRef>
+          <a:effectRef idx="0">
+            <a:schemeClr val="accent1"/>
+          </a:effectRef>
+          <a:fontRef idx="minor">
+            <a:schemeClr val="lt1"/>
+          </a:fontRef>
+        </p:style>
+        <p:txBody>
+          <a:bodyPr rtlCol="0" anchor="ctr"/>
+          <a:lstStyle/>
+          <a:p>
+            <a:pPr algn="ctr"/>
+            <a:endParaRPr lang="ro-RO" dirty="0"/>
+          </a:p>
+        </p:txBody>
+      </p:sp>
+      <p:cxnSp>
+        <p:nvCxnSpPr>
+          <p:cNvPr id="20" name="Straight Arrow Connector 19">
+            <a:extLst>
+              <a:ext uri="{FF2B5EF4-FFF2-40B4-BE49-F238E27FC236}">
+                <a16:creationId xmlns:a16="http://schemas.microsoft.com/office/drawing/2014/main" id="{F36376EC-0147-EC41-9A58-3B5EE08DF5A4}"/>
+              </a:ext>
+            </a:extLst>
+          </p:cNvPr>
+          <p:cNvCxnSpPr>
+            <a:cxnSpLocks/>
+          </p:cNvCxnSpPr>
+          <p:nvPr/>
+        </p:nvCxnSpPr>
+        <p:spPr>
+          <a:xfrm flipH="1" flipV="1">
+            <a:off x="4423279" y="4676707"/>
+            <a:ext cx="470825" cy="68469"/>
+          </a:xfrm>
+          <a:prstGeom prst="straightConnector1">
+            <a:avLst/>
+          </a:prstGeom>
+          <a:ln w="12700">
+            <a:solidFill>
+              <a:schemeClr val="accent5"/>
+            </a:solidFill>
+            <a:tailEnd type="triangle"/>
+          </a:ln>
+        </p:spPr>
+        <p:style>
+          <a:lnRef idx="1">
+            <a:schemeClr val="accent5"/>
+          </a:lnRef>
+          <a:fillRef idx="0">
+            <a:schemeClr val="accent5"/>
+          </a:fillRef>
+          <a:effectRef idx="0">
+            <a:schemeClr val="accent5"/>
+          </a:effectRef>
+          <a:fontRef idx="minor">
+            <a:schemeClr val="tx1"/>
+          </a:fontRef>
+        </p:style>
+      </p:cxnSp>
+      <p:cxnSp>
+        <p:nvCxnSpPr>
+          <p:cNvPr id="25" name="Straight Arrow Connector 24">
+            <a:extLst>
+              <a:ext uri="{FF2B5EF4-FFF2-40B4-BE49-F238E27FC236}">
+                <a16:creationId xmlns:a16="http://schemas.microsoft.com/office/drawing/2014/main" id="{83E4A1D6-D1DD-8B4E-AB6D-51607127A6FE}"/>
+              </a:ext>
+            </a:extLst>
+          </p:cNvPr>
+          <p:cNvCxnSpPr>
+            <a:cxnSpLocks/>
+          </p:cNvCxnSpPr>
+          <p:nvPr/>
+        </p:nvCxnSpPr>
+        <p:spPr>
+          <a:xfrm>
+            <a:off x="4426961" y="4720433"/>
+            <a:ext cx="467143" cy="232567"/>
+          </a:xfrm>
+          <a:prstGeom prst="straightConnector1">
+            <a:avLst/>
+          </a:prstGeom>
+          <a:ln w="12700">
+            <a:solidFill>
+              <a:schemeClr val="accent5"/>
+            </a:solidFill>
+            <a:tailEnd type="triangle"/>
+          </a:ln>
+        </p:spPr>
+        <p:style>
+          <a:lnRef idx="1">
+            <a:schemeClr val="accent5"/>
+          </a:lnRef>
+          <a:fillRef idx="0">
+            <a:schemeClr val="accent5"/>
+          </a:fillRef>
+          <a:effectRef idx="0">
+            <a:schemeClr val="accent5"/>
+          </a:effectRef>
+          <a:fontRef idx="minor">
+            <a:schemeClr val="tx1"/>
+          </a:fontRef>
+        </p:style>
+      </p:cxnSp>
+      <p:sp>
+        <p:nvSpPr>
+          <p:cNvPr id="31" name="Oval 30">
+            <a:extLst>
+              <a:ext uri="{FF2B5EF4-FFF2-40B4-BE49-F238E27FC236}">
+                <a16:creationId xmlns:a16="http://schemas.microsoft.com/office/drawing/2014/main" id="{CC233AC2-47FB-5E4E-A658-50CFBB62B1DD}"/>
+              </a:ext>
+            </a:extLst>
+          </p:cNvPr>
+          <p:cNvSpPr/>
+          <p:nvPr/>
+        </p:nvSpPr>
+        <p:spPr>
+          <a:xfrm flipV="1">
+            <a:off x="6705600" y="4194719"/>
+            <a:ext cx="76200" cy="118864"/>
+          </a:xfrm>
+          <a:prstGeom prst="ellipse">
+            <a:avLst/>
+          </a:prstGeom>
+          <a:solidFill>
+            <a:schemeClr val="accent5"/>
+          </a:solidFill>
+          <a:ln w="9525">
+            <a:solidFill>
+              <a:schemeClr val="accent5"/>
+            </a:solidFill>
+          </a:ln>
+        </p:spPr>
+        <p:style>
+          <a:lnRef idx="2">
+            <a:schemeClr val="accent1">
+              <a:shade val="50000"/>
+            </a:schemeClr>
+          </a:lnRef>
+          <a:fillRef idx="1">
+            <a:schemeClr val="accent1"/>
+          </a:fillRef>
+          <a:effectRef idx="0">
+            <a:schemeClr val="accent1"/>
+          </a:effectRef>
+          <a:fontRef idx="minor">
+            <a:schemeClr val="lt1"/>
+          </a:fontRef>
+        </p:style>
+        <p:txBody>
+          <a:bodyPr rtlCol="0" anchor="ctr"/>
+          <a:lstStyle/>
+          <a:p>
+            <a:pPr algn="ctr"/>
+            <a:endParaRPr lang="ro-RO" dirty="0"/>
+          </a:p>
+        </p:txBody>
+      </p:sp>
+      <p:cxnSp>
+        <p:nvCxnSpPr>
+          <p:cNvPr id="34" name="Straight Arrow Connector 33">
+            <a:extLst>
+              <a:ext uri="{FF2B5EF4-FFF2-40B4-BE49-F238E27FC236}">
+                <a16:creationId xmlns:a16="http://schemas.microsoft.com/office/drawing/2014/main" id="{C88A061B-81C5-0245-BC1C-DDA384A8A53C}"/>
+              </a:ext>
+            </a:extLst>
+          </p:cNvPr>
+          <p:cNvCxnSpPr>
+            <a:cxnSpLocks/>
+          </p:cNvCxnSpPr>
+          <p:nvPr/>
+        </p:nvCxnSpPr>
+        <p:spPr>
+          <a:xfrm flipV="1">
+            <a:off x="5339797" y="4267200"/>
+            <a:ext cx="1355039" cy="656873"/>
+          </a:xfrm>
+          <a:prstGeom prst="straightConnector1">
+            <a:avLst/>
+          </a:prstGeom>
+          <a:ln w="12700">
+            <a:solidFill>
+              <a:schemeClr val="accent5"/>
+            </a:solidFill>
+            <a:tailEnd type="triangle"/>
+          </a:ln>
+        </p:spPr>
+        <p:style>
+          <a:lnRef idx="1">
+            <a:schemeClr val="accent5"/>
+          </a:lnRef>
+          <a:fillRef idx="0">
+            <a:schemeClr val="accent5"/>
+          </a:fillRef>
+          <a:effectRef idx="0">
+            <a:schemeClr val="accent5"/>
+          </a:effectRef>
+          <a:fontRef idx="minor">
+            <a:schemeClr val="tx1"/>
+          </a:fontRef>
+        </p:style>
+      </p:cxnSp>
+      <p:cxnSp>
+        <p:nvCxnSpPr>
+          <p:cNvPr id="35" name="Straight Arrow Connector 34">
+            <a:extLst>
+              <a:ext uri="{FF2B5EF4-FFF2-40B4-BE49-F238E27FC236}">
+                <a16:creationId xmlns:a16="http://schemas.microsoft.com/office/drawing/2014/main" id="{4C16E300-0725-8C4F-88DE-0EA974928CA1}"/>
+              </a:ext>
+            </a:extLst>
+          </p:cNvPr>
+          <p:cNvCxnSpPr>
+            <a:cxnSpLocks/>
+          </p:cNvCxnSpPr>
+          <p:nvPr/>
+        </p:nvCxnSpPr>
+        <p:spPr>
+          <a:xfrm flipV="1">
+            <a:off x="5256551" y="4247322"/>
+            <a:ext cx="1449049" cy="517732"/>
+          </a:xfrm>
+          <a:prstGeom prst="straightConnector1">
+            <a:avLst/>
+          </a:prstGeom>
+          <a:ln w="12700">
+            <a:solidFill>
+              <a:schemeClr val="accent5"/>
+            </a:solidFill>
+            <a:tailEnd type="triangle"/>
+          </a:ln>
+        </p:spPr>
+        <p:style>
+          <a:lnRef idx="1">
+            <a:schemeClr val="accent5"/>
+          </a:lnRef>
+          <a:fillRef idx="0">
+            <a:schemeClr val="accent5"/>
+          </a:fillRef>
+          <a:effectRef idx="0">
+            <a:schemeClr val="accent5"/>
+          </a:effectRef>
+          <a:fontRef idx="minor">
+            <a:schemeClr val="tx1"/>
+          </a:fontRef>
+        </p:style>
+      </p:cxnSp>
+      <p:cxnSp>
+        <p:nvCxnSpPr>
+          <p:cNvPr id="36" name="Straight Arrow Connector 35">
+            <a:extLst>
+              <a:ext uri="{FF2B5EF4-FFF2-40B4-BE49-F238E27FC236}">
+                <a16:creationId xmlns:a16="http://schemas.microsoft.com/office/drawing/2014/main" id="{A9F505D6-31BC-684C-9F21-FB858483F88E}"/>
+              </a:ext>
+            </a:extLst>
+          </p:cNvPr>
+          <p:cNvCxnSpPr>
+            <a:cxnSpLocks/>
+          </p:cNvCxnSpPr>
+          <p:nvPr/>
+        </p:nvCxnSpPr>
+        <p:spPr>
+          <a:xfrm flipV="1">
+            <a:off x="5229575" y="4254151"/>
+            <a:ext cx="1465261" cy="410816"/>
+          </a:xfrm>
+          <a:prstGeom prst="straightConnector1">
+            <a:avLst/>
+          </a:prstGeom>
+          <a:ln w="12700">
+            <a:solidFill>
+              <a:schemeClr val="accent5"/>
+            </a:solidFill>
+            <a:tailEnd type="triangle"/>
+          </a:ln>
+        </p:spPr>
+        <p:style>
+          <a:lnRef idx="1">
+            <a:schemeClr val="accent5"/>
+          </a:lnRef>
+          <a:fillRef idx="0">
+            <a:schemeClr val="accent5"/>
+          </a:fillRef>
+          <a:effectRef idx="0">
+            <a:schemeClr val="accent5"/>
+          </a:effectRef>
+          <a:fontRef idx="minor">
+            <a:schemeClr val="tx1"/>
+          </a:fontRef>
+        </p:style>
+      </p:cxnSp>
+      <p:cxnSp>
+        <p:nvCxnSpPr>
+          <p:cNvPr id="44" name="Straight Arrow Connector 43">
+            <a:extLst>
+              <a:ext uri="{FF2B5EF4-FFF2-40B4-BE49-F238E27FC236}">
+                <a16:creationId xmlns:a16="http://schemas.microsoft.com/office/drawing/2014/main" id="{A0995B66-D63C-814B-AC9D-28EE27944DB3}"/>
+              </a:ext>
+            </a:extLst>
+          </p:cNvPr>
+          <p:cNvCxnSpPr>
+            <a:cxnSpLocks/>
+          </p:cNvCxnSpPr>
+          <p:nvPr/>
+        </p:nvCxnSpPr>
+        <p:spPr>
+          <a:xfrm>
+            <a:off x="6807692" y="4276351"/>
+            <a:ext cx="706291" cy="56699"/>
+          </a:xfrm>
+          <a:prstGeom prst="straightConnector1">
+            <a:avLst/>
+          </a:prstGeom>
+          <a:ln w="12700">
+            <a:solidFill>
+              <a:schemeClr val="accent5"/>
+            </a:solidFill>
+            <a:tailEnd type="triangle"/>
+          </a:ln>
+        </p:spPr>
+        <p:style>
+          <a:lnRef idx="1">
+            <a:schemeClr val="accent5"/>
+          </a:lnRef>
+          <a:fillRef idx="0">
+            <a:schemeClr val="accent5"/>
+          </a:fillRef>
+          <a:effectRef idx="0">
+            <a:schemeClr val="accent5"/>
+          </a:effectRef>
+          <a:fontRef idx="minor">
+            <a:schemeClr val="tx1"/>
+          </a:fontRef>
+        </p:style>
+      </p:cxnSp>
+      <p:cxnSp>
+        <p:nvCxnSpPr>
+          <p:cNvPr id="46" name="Straight Arrow Connector 45">
+            <a:extLst>
+              <a:ext uri="{FF2B5EF4-FFF2-40B4-BE49-F238E27FC236}">
+                <a16:creationId xmlns:a16="http://schemas.microsoft.com/office/drawing/2014/main" id="{262657D9-D59A-A84B-9CDD-6FC292C13016}"/>
+              </a:ext>
+            </a:extLst>
+          </p:cNvPr>
+          <p:cNvCxnSpPr>
+            <a:cxnSpLocks/>
+          </p:cNvCxnSpPr>
+          <p:nvPr/>
+        </p:nvCxnSpPr>
+        <p:spPr>
+          <a:xfrm flipV="1">
+            <a:off x="6423997" y="4644198"/>
+            <a:ext cx="1089986" cy="38161"/>
+          </a:xfrm>
+          <a:prstGeom prst="straightConnector1">
+            <a:avLst/>
+          </a:prstGeom>
+          <a:ln w="12700">
+            <a:solidFill>
+              <a:schemeClr val="accent5"/>
+            </a:solidFill>
+            <a:tailEnd type="triangle"/>
+          </a:ln>
+        </p:spPr>
+        <p:style>
+          <a:lnRef idx="1">
+            <a:schemeClr val="accent5"/>
+          </a:lnRef>
+          <a:fillRef idx="0">
+            <a:schemeClr val="accent5"/>
+          </a:fillRef>
+          <a:effectRef idx="0">
+            <a:schemeClr val="accent5"/>
+          </a:effectRef>
+          <a:fontRef idx="minor">
+            <a:schemeClr val="tx1"/>
+          </a:fontRef>
+        </p:style>
+      </p:cxnSp>
+      <p:cxnSp>
+        <p:nvCxnSpPr>
+          <p:cNvPr id="49" name="Straight Arrow Connector 48">
+            <a:extLst>
+              <a:ext uri="{FF2B5EF4-FFF2-40B4-BE49-F238E27FC236}">
+                <a16:creationId xmlns:a16="http://schemas.microsoft.com/office/drawing/2014/main" id="{7A54BB86-5DB2-9240-8274-2846834D3CED}"/>
+              </a:ext>
+            </a:extLst>
+          </p:cNvPr>
+          <p:cNvCxnSpPr>
+            <a:cxnSpLocks/>
+          </p:cNvCxnSpPr>
+          <p:nvPr/>
+        </p:nvCxnSpPr>
+        <p:spPr>
+          <a:xfrm flipV="1">
+            <a:off x="7513983" y="4886356"/>
+            <a:ext cx="276641" cy="971137"/>
+          </a:xfrm>
+          <a:prstGeom prst="straightConnector1">
+            <a:avLst/>
+          </a:prstGeom>
+          <a:ln w="12700">
+            <a:solidFill>
+              <a:schemeClr val="accent5"/>
+            </a:solidFill>
+            <a:tailEnd type="triangle"/>
+          </a:ln>
+        </p:spPr>
+        <p:style>
+          <a:lnRef idx="1">
+            <a:schemeClr val="accent5"/>
+          </a:lnRef>
+          <a:fillRef idx="0">
+            <a:schemeClr val="accent5"/>
+          </a:fillRef>
+          <a:effectRef idx="0">
+            <a:schemeClr val="accent5"/>
+          </a:effectRef>
+          <a:fontRef idx="minor">
+            <a:schemeClr val="tx1"/>
+          </a:fontRef>
+        </p:style>
+      </p:cxnSp>
+      <p:cxnSp>
+        <p:nvCxnSpPr>
+          <p:cNvPr id="52" name="Straight Arrow Connector 51">
+            <a:extLst>
+              <a:ext uri="{FF2B5EF4-FFF2-40B4-BE49-F238E27FC236}">
+                <a16:creationId xmlns:a16="http://schemas.microsoft.com/office/drawing/2014/main" id="{AE994834-5DED-E34E-AC07-61295FF9DEAA}"/>
+              </a:ext>
+            </a:extLst>
+          </p:cNvPr>
+          <p:cNvCxnSpPr>
+            <a:cxnSpLocks/>
+          </p:cNvCxnSpPr>
+          <p:nvPr/>
+        </p:nvCxnSpPr>
+        <p:spPr>
+          <a:xfrm flipV="1">
+            <a:off x="7513984" y="1791943"/>
+            <a:ext cx="138319" cy="879244"/>
+          </a:xfrm>
+          <a:prstGeom prst="straightConnector1">
+            <a:avLst/>
+          </a:prstGeom>
+          <a:ln w="12700">
+            <a:solidFill>
+              <a:schemeClr val="accent5"/>
+            </a:solidFill>
+            <a:tailEnd type="triangle"/>
+          </a:ln>
+        </p:spPr>
+        <p:style>
+          <a:lnRef idx="1">
+            <a:schemeClr val="accent5"/>
+          </a:lnRef>
+          <a:fillRef idx="0">
+            <a:schemeClr val="accent5"/>
+          </a:fillRef>
+          <a:effectRef idx="0">
+            <a:schemeClr val="accent5"/>
+          </a:effectRef>
+          <a:fontRef idx="minor">
+            <a:schemeClr val="tx1"/>
+          </a:fontRef>
+        </p:style>
+      </p:cxnSp>
+      <p:cxnSp>
+        <p:nvCxnSpPr>
+          <p:cNvPr id="56" name="Straight Arrow Connector 55">
+            <a:extLst>
+              <a:ext uri="{FF2B5EF4-FFF2-40B4-BE49-F238E27FC236}">
+                <a16:creationId xmlns:a16="http://schemas.microsoft.com/office/drawing/2014/main" id="{BCF43946-9AA5-4B48-A572-63D1D96A2EFC}"/>
+              </a:ext>
+            </a:extLst>
+          </p:cNvPr>
+          <p:cNvCxnSpPr>
+            <a:cxnSpLocks/>
+          </p:cNvCxnSpPr>
+          <p:nvPr/>
+        </p:nvCxnSpPr>
+        <p:spPr>
+          <a:xfrm>
+            <a:off x="7600386" y="2671187"/>
+            <a:ext cx="199254" cy="1724582"/>
+          </a:xfrm>
+          <a:prstGeom prst="straightConnector1">
+            <a:avLst/>
+          </a:prstGeom>
+          <a:ln w="12700">
+            <a:solidFill>
+              <a:schemeClr val="accent5"/>
+            </a:solidFill>
+            <a:tailEnd type="triangle"/>
+          </a:ln>
+        </p:spPr>
+        <p:style>
+          <a:lnRef idx="1">
+            <a:schemeClr val="accent5"/>
+          </a:lnRef>
+          <a:fillRef idx="0">
+            <a:schemeClr val="accent5"/>
+          </a:fillRef>
+          <a:effectRef idx="0">
+            <a:schemeClr val="accent5"/>
+          </a:effectRef>
+          <a:fontRef idx="minor">
+            <a:schemeClr val="tx1"/>
+          </a:fontRef>
+        </p:style>
+      </p:cxnSp>
+      <p:cxnSp>
+        <p:nvCxnSpPr>
+          <p:cNvPr id="65" name="Straight Arrow Connector 64">
+            <a:extLst>
+              <a:ext uri="{FF2B5EF4-FFF2-40B4-BE49-F238E27FC236}">
+                <a16:creationId xmlns:a16="http://schemas.microsoft.com/office/drawing/2014/main" id="{256E1A7D-1800-104F-963B-C37E419C1D05}"/>
+              </a:ext>
+            </a:extLst>
+          </p:cNvPr>
+          <p:cNvCxnSpPr>
+            <a:cxnSpLocks/>
+          </p:cNvCxnSpPr>
+          <p:nvPr/>
+        </p:nvCxnSpPr>
+        <p:spPr>
+          <a:xfrm flipH="1">
+            <a:off x="3747052" y="1697510"/>
+            <a:ext cx="3669198" cy="2158873"/>
+          </a:xfrm>
+          <a:prstGeom prst="straightConnector1">
+            <a:avLst/>
+          </a:prstGeom>
+          <a:ln w="12700">
+            <a:solidFill>
+              <a:schemeClr val="accent5"/>
+            </a:solidFill>
+            <a:tailEnd type="triangle"/>
+          </a:ln>
+        </p:spPr>
+        <p:style>
+          <a:lnRef idx="1">
+            <a:schemeClr val="accent5"/>
+          </a:lnRef>
+          <a:fillRef idx="0">
+            <a:schemeClr val="accent5"/>
+          </a:fillRef>
+          <a:effectRef idx="0">
+            <a:schemeClr val="accent5"/>
+          </a:effectRef>
+          <a:fontRef idx="minor">
+            <a:schemeClr val="tx1"/>
+          </a:fontRef>
+        </p:style>
+      </p:cxnSp>
+      <p:cxnSp>
+        <p:nvCxnSpPr>
+          <p:cNvPr id="73" name="Straight Arrow Connector 72">
+            <a:extLst>
+              <a:ext uri="{FF2B5EF4-FFF2-40B4-BE49-F238E27FC236}">
+                <a16:creationId xmlns:a16="http://schemas.microsoft.com/office/drawing/2014/main" id="{49641B34-B051-C84F-A1AE-AEBE648A1E33}"/>
+              </a:ext>
+            </a:extLst>
+          </p:cNvPr>
+          <p:cNvCxnSpPr>
+            <a:cxnSpLocks/>
+          </p:cNvCxnSpPr>
+          <p:nvPr/>
+        </p:nvCxnSpPr>
+        <p:spPr>
+          <a:xfrm flipH="1">
+            <a:off x="2443376" y="1697510"/>
+            <a:ext cx="4928149" cy="2764247"/>
+          </a:xfrm>
+          <a:prstGeom prst="straightConnector1">
+            <a:avLst/>
+          </a:prstGeom>
+          <a:ln w="12700">
+            <a:solidFill>
+              <a:schemeClr val="accent5"/>
+            </a:solidFill>
+            <a:tailEnd type="triangle"/>
+          </a:ln>
+        </p:spPr>
+        <p:style>
+          <a:lnRef idx="1">
+            <a:schemeClr val="accent5"/>
+          </a:lnRef>
+          <a:fillRef idx="0">
+            <a:schemeClr val="accent5"/>
+          </a:fillRef>
+          <a:effectRef idx="0">
+            <a:schemeClr val="accent5"/>
+          </a:effectRef>
+          <a:fontRef idx="minor">
+            <a:schemeClr val="tx1"/>
+          </a:fontRef>
+        </p:style>
+      </p:cxnSp>
+      <p:cxnSp>
+        <p:nvCxnSpPr>
+          <p:cNvPr id="77" name="Straight Arrow Connector 76">
+            <a:extLst>
+              <a:ext uri="{FF2B5EF4-FFF2-40B4-BE49-F238E27FC236}">
+                <a16:creationId xmlns:a16="http://schemas.microsoft.com/office/drawing/2014/main" id="{58FE02FE-F9DA-5744-BD36-1A188B707A23}"/>
+              </a:ext>
+            </a:extLst>
+          </p:cNvPr>
+          <p:cNvCxnSpPr>
+            <a:cxnSpLocks/>
+          </p:cNvCxnSpPr>
+          <p:nvPr/>
+        </p:nvCxnSpPr>
+        <p:spPr>
+          <a:xfrm flipH="1">
+            <a:off x="5715000" y="1697510"/>
+            <a:ext cx="1798983" cy="1185509"/>
+          </a:xfrm>
+          <a:prstGeom prst="straightConnector1">
+            <a:avLst/>
+          </a:prstGeom>
+          <a:ln w="12700">
+            <a:solidFill>
+              <a:schemeClr val="accent5"/>
+            </a:solidFill>
+            <a:tailEnd type="triangle"/>
+          </a:ln>
+        </p:spPr>
+        <p:style>
+          <a:lnRef idx="1">
+            <a:schemeClr val="accent5"/>
+          </a:lnRef>
+          <a:fillRef idx="0">
+            <a:schemeClr val="accent5"/>
+          </a:fillRef>
+          <a:effectRef idx="0">
+            <a:schemeClr val="accent5"/>
+          </a:effectRef>
+          <a:fontRef idx="minor">
+            <a:schemeClr val="tx1"/>
+          </a:fontRef>
+        </p:style>
+      </p:cxnSp>
+      <p:cxnSp>
+        <p:nvCxnSpPr>
+          <p:cNvPr id="82" name="Straight Arrow Connector 81">
+            <a:extLst>
+              <a:ext uri="{FF2B5EF4-FFF2-40B4-BE49-F238E27FC236}">
+                <a16:creationId xmlns:a16="http://schemas.microsoft.com/office/drawing/2014/main" id="{A23DC021-913F-CD47-91C2-FF75451FA0F4}"/>
+              </a:ext>
+            </a:extLst>
+          </p:cNvPr>
+          <p:cNvCxnSpPr>
+            <a:cxnSpLocks/>
+          </p:cNvCxnSpPr>
+          <p:nvPr/>
+        </p:nvCxnSpPr>
+        <p:spPr>
+          <a:xfrm flipV="1">
+            <a:off x="1353376" y="5371925"/>
+            <a:ext cx="762006" cy="485568"/>
+          </a:xfrm>
+          <a:prstGeom prst="straightConnector1">
+            <a:avLst/>
+          </a:prstGeom>
+          <a:ln w="12700">
+            <a:solidFill>
+              <a:schemeClr val="accent5"/>
+            </a:solidFill>
+            <a:tailEnd type="triangle"/>
+          </a:ln>
+        </p:spPr>
+        <p:style>
+          <a:lnRef idx="1">
+            <a:schemeClr val="accent5"/>
+          </a:lnRef>
+          <a:fillRef idx="0">
+            <a:schemeClr val="accent5"/>
+          </a:fillRef>
+          <a:effectRef idx="0">
+            <a:schemeClr val="accent5"/>
+          </a:effectRef>
+          <a:fontRef idx="minor">
+            <a:schemeClr val="tx1"/>
+          </a:fontRef>
+        </p:style>
+      </p:cxnSp>
+      <p:cxnSp>
+        <p:nvCxnSpPr>
+          <p:cNvPr id="85" name="Straight Arrow Connector 84">
+            <a:extLst>
+              <a:ext uri="{FF2B5EF4-FFF2-40B4-BE49-F238E27FC236}">
+                <a16:creationId xmlns:a16="http://schemas.microsoft.com/office/drawing/2014/main" id="{9E98B2BD-0066-584A-879C-B012BC3BFA50}"/>
+              </a:ext>
+            </a:extLst>
+          </p:cNvPr>
+          <p:cNvCxnSpPr>
+            <a:cxnSpLocks/>
+          </p:cNvCxnSpPr>
+          <p:nvPr/>
+        </p:nvCxnSpPr>
+        <p:spPr>
+          <a:xfrm flipV="1">
+            <a:off x="1064441" y="5821218"/>
+            <a:ext cx="288935" cy="93733"/>
+          </a:xfrm>
+          <a:prstGeom prst="straightConnector1">
+            <a:avLst/>
+          </a:prstGeom>
+          <a:ln w="12700">
+            <a:solidFill>
+              <a:schemeClr val="accent5"/>
+            </a:solidFill>
+            <a:tailEnd type="triangle"/>
+          </a:ln>
+        </p:spPr>
+        <p:style>
+          <a:lnRef idx="1">
+            <a:schemeClr val="accent5"/>
+          </a:lnRef>
+          <a:fillRef idx="0">
+            <a:schemeClr val="accent5"/>
+          </a:fillRef>
+          <a:effectRef idx="0">
+            <a:schemeClr val="accent5"/>
+          </a:effectRef>
+          <a:fontRef idx="minor">
+            <a:schemeClr val="tx1"/>
+          </a:fontRef>
+        </p:style>
+      </p:cxnSp>
+      <p:cxnSp>
+        <p:nvCxnSpPr>
+          <p:cNvPr id="87" name="Straight Arrow Connector 86">
+            <a:extLst>
+              <a:ext uri="{FF2B5EF4-FFF2-40B4-BE49-F238E27FC236}">
+                <a16:creationId xmlns:a16="http://schemas.microsoft.com/office/drawing/2014/main" id="{0BE4C4A0-9336-8641-8D7D-ADA6FFD3D466}"/>
+              </a:ext>
+            </a:extLst>
+          </p:cNvPr>
+          <p:cNvCxnSpPr>
+            <a:cxnSpLocks/>
+          </p:cNvCxnSpPr>
+          <p:nvPr/>
+        </p:nvCxnSpPr>
+        <p:spPr>
+          <a:xfrm flipV="1">
+            <a:off x="1086263" y="5880650"/>
+            <a:ext cx="288656" cy="208733"/>
+          </a:xfrm>
+          <a:prstGeom prst="straightConnector1">
+            <a:avLst/>
+          </a:prstGeom>
+          <a:ln w="12700">
+            <a:solidFill>
+              <a:schemeClr val="accent5"/>
+            </a:solidFill>
+            <a:tailEnd type="triangle"/>
+          </a:ln>
+        </p:spPr>
+        <p:style>
+          <a:lnRef idx="1">
+            <a:schemeClr val="accent5"/>
+          </a:lnRef>
+          <a:fillRef idx="0">
+            <a:schemeClr val="accent5"/>
+          </a:fillRef>
+          <a:effectRef idx="0">
+            <a:schemeClr val="accent5"/>
+          </a:effectRef>
+          <a:fontRef idx="minor">
+            <a:schemeClr val="tx1"/>
+          </a:fontRef>
+        </p:style>
+      </p:cxnSp>
+      <p:sp>
+        <p:nvSpPr>
+          <p:cNvPr id="90" name="Oval 89">
+            <a:extLst>
+              <a:ext uri="{FF2B5EF4-FFF2-40B4-BE49-F238E27FC236}">
+                <a16:creationId xmlns:a16="http://schemas.microsoft.com/office/drawing/2014/main" id="{03AC1C99-2067-544A-BC43-D644689F00EF}"/>
+              </a:ext>
+            </a:extLst>
+          </p:cNvPr>
+          <p:cNvSpPr/>
+          <p:nvPr/>
+        </p:nvSpPr>
+        <p:spPr>
+          <a:xfrm flipV="1">
+            <a:off x="1374919" y="5761786"/>
+            <a:ext cx="76200" cy="118864"/>
+          </a:xfrm>
+          <a:prstGeom prst="ellipse">
+            <a:avLst/>
+          </a:prstGeom>
+          <a:solidFill>
+            <a:schemeClr val="accent5"/>
+          </a:solidFill>
+          <a:ln w="9525">
+            <a:solidFill>
+              <a:schemeClr val="accent5"/>
+            </a:solidFill>
+          </a:ln>
+        </p:spPr>
+        <p:style>
+          <a:lnRef idx="2">
+            <a:schemeClr val="accent1">
+              <a:shade val="50000"/>
+            </a:schemeClr>
+          </a:lnRef>
+          <a:fillRef idx="1">
+            <a:schemeClr val="accent1"/>
+          </a:fillRef>
+          <a:effectRef idx="0">
+            <a:schemeClr val="accent1"/>
+          </a:effectRef>
+          <a:fontRef idx="minor">
+            <a:schemeClr val="lt1"/>
+          </a:fontRef>
+        </p:style>
+        <p:txBody>
+          <a:bodyPr rtlCol="0" anchor="ctr"/>
+          <a:lstStyle/>
+          <a:p>
+            <a:pPr algn="ctr"/>
+            <a:endParaRPr lang="ro-RO" dirty="0"/>
+          </a:p>
+        </p:txBody>
+      </p:sp>
+      <p:cxnSp>
+        <p:nvCxnSpPr>
+          <p:cNvPr id="93" name="Straight Arrow Connector 92">
+            <a:extLst>
+              <a:ext uri="{FF2B5EF4-FFF2-40B4-BE49-F238E27FC236}">
+                <a16:creationId xmlns:a16="http://schemas.microsoft.com/office/drawing/2014/main" id="{D381454B-69CC-AB45-8DC0-84017A8E7B9E}"/>
+              </a:ext>
+            </a:extLst>
+          </p:cNvPr>
+          <p:cNvCxnSpPr>
+            <a:cxnSpLocks/>
+            <a:stCxn id="90" idx="6"/>
+          </p:cNvCxnSpPr>
+          <p:nvPr/>
+        </p:nvCxnSpPr>
+        <p:spPr>
+          <a:xfrm>
+            <a:off x="1451119" y="5821218"/>
+            <a:ext cx="3778456" cy="347672"/>
+          </a:xfrm>
+          <a:prstGeom prst="straightConnector1">
+            <a:avLst/>
+          </a:prstGeom>
+          <a:ln w="12700">
+            <a:solidFill>
+              <a:schemeClr val="accent5"/>
+            </a:solidFill>
+            <a:tailEnd type="triangle"/>
+          </a:ln>
+        </p:spPr>
+        <p:style>
+          <a:lnRef idx="1">
+            <a:schemeClr val="accent5"/>
+          </a:lnRef>
+          <a:fillRef idx="0">
+            <a:schemeClr val="accent5"/>
+          </a:fillRef>
+          <a:effectRef idx="0">
+            <a:schemeClr val="accent5"/>
+          </a:effectRef>
+          <a:fontRef idx="minor">
+            <a:schemeClr val="tx1"/>
+          </a:fontRef>
+        </p:style>
+      </p:cxnSp>
+      <p:cxnSp>
+        <p:nvCxnSpPr>
+          <p:cNvPr id="96" name="Straight Arrow Connector 95">
+            <a:extLst>
+              <a:ext uri="{FF2B5EF4-FFF2-40B4-BE49-F238E27FC236}">
+                <a16:creationId xmlns:a16="http://schemas.microsoft.com/office/drawing/2014/main" id="{B5969F38-478C-A14D-A078-CB563DD4531F}"/>
+              </a:ext>
+            </a:extLst>
+          </p:cNvPr>
+          <p:cNvCxnSpPr>
+            <a:cxnSpLocks/>
+          </p:cNvCxnSpPr>
+          <p:nvPr/>
+        </p:nvCxnSpPr>
+        <p:spPr>
+          <a:xfrm flipH="1" flipV="1">
+            <a:off x="2169264" y="4276351"/>
+            <a:ext cx="3046200" cy="1858960"/>
+          </a:xfrm>
+          <a:prstGeom prst="straightConnector1">
+            <a:avLst/>
+          </a:prstGeom>
+          <a:ln w="12700">
+            <a:solidFill>
+              <a:schemeClr val="accent5"/>
+            </a:solidFill>
+            <a:tailEnd type="triangle"/>
+          </a:ln>
+        </p:spPr>
+        <p:style>
+          <a:lnRef idx="1">
+            <a:schemeClr val="accent5"/>
+          </a:lnRef>
+          <a:fillRef idx="0">
+            <a:schemeClr val="accent5"/>
+          </a:fillRef>
+          <a:effectRef idx="0">
+            <a:schemeClr val="accent5"/>
+          </a:effectRef>
+          <a:fontRef idx="minor">
+            <a:schemeClr val="tx1"/>
+          </a:fontRef>
+        </p:style>
+      </p:cxnSp>
+      <p:cxnSp>
+        <p:nvCxnSpPr>
+          <p:cNvPr id="98" name="Straight Arrow Connector 97">
+            <a:extLst>
+              <a:ext uri="{FF2B5EF4-FFF2-40B4-BE49-F238E27FC236}">
+                <a16:creationId xmlns:a16="http://schemas.microsoft.com/office/drawing/2014/main" id="{AE115E4C-7B97-5248-BC65-24514CAE7F98}"/>
+              </a:ext>
+            </a:extLst>
+          </p:cNvPr>
+          <p:cNvCxnSpPr>
+            <a:cxnSpLocks/>
+          </p:cNvCxnSpPr>
+          <p:nvPr/>
+        </p:nvCxnSpPr>
+        <p:spPr>
+          <a:xfrm flipV="1">
+            <a:off x="1443758" y="3627784"/>
+            <a:ext cx="2003137" cy="2134002"/>
+          </a:xfrm>
+          <a:prstGeom prst="straightConnector1">
+            <a:avLst/>
+          </a:prstGeom>
+          <a:ln w="12700">
+            <a:solidFill>
+              <a:schemeClr val="accent5"/>
+            </a:solidFill>
+            <a:tailEnd type="triangle"/>
+          </a:ln>
+        </p:spPr>
+        <p:style>
+          <a:lnRef idx="1">
+            <a:schemeClr val="accent5"/>
+          </a:lnRef>
+          <a:fillRef idx="0">
+            <a:schemeClr val="accent5"/>
+          </a:fillRef>
+          <a:effectRef idx="0">
+            <a:schemeClr val="accent5"/>
+          </a:effectRef>
+          <a:fontRef idx="minor">
+            <a:schemeClr val="tx1"/>
+          </a:fontRef>
+        </p:style>
+      </p:cxnSp>
+      <p:cxnSp>
+        <p:nvCxnSpPr>
+          <p:cNvPr id="101" name="Straight Arrow Connector 100">
+            <a:extLst>
+              <a:ext uri="{FF2B5EF4-FFF2-40B4-BE49-F238E27FC236}">
+                <a16:creationId xmlns:a16="http://schemas.microsoft.com/office/drawing/2014/main" id="{60C8D2AD-839F-E941-8FC2-1AA616C8B3F5}"/>
+              </a:ext>
+            </a:extLst>
+          </p:cNvPr>
+          <p:cNvCxnSpPr>
+            <a:cxnSpLocks/>
+            <a:endCxn id="103" idx="2"/>
+          </p:cNvCxnSpPr>
+          <p:nvPr/>
+        </p:nvCxnSpPr>
+        <p:spPr>
+          <a:xfrm>
+            <a:off x="8196145" y="4345405"/>
+            <a:ext cx="523776" cy="213546"/>
+          </a:xfrm>
+          <a:prstGeom prst="straightConnector1">
+            <a:avLst/>
+          </a:prstGeom>
+          <a:ln w="12700">
+            <a:solidFill>
+              <a:schemeClr val="accent5"/>
+            </a:solidFill>
+            <a:tailEnd type="triangle"/>
+          </a:ln>
+        </p:spPr>
+        <p:style>
+          <a:lnRef idx="1">
+            <a:schemeClr val="accent5"/>
+          </a:lnRef>
+          <a:fillRef idx="0">
+            <a:schemeClr val="accent5"/>
+          </a:fillRef>
+          <a:effectRef idx="0">
+            <a:schemeClr val="accent5"/>
+          </a:effectRef>
+          <a:fontRef idx="minor">
+            <a:schemeClr val="tx1"/>
+          </a:fontRef>
+        </p:style>
+      </p:cxnSp>
+      <p:sp>
+        <p:nvSpPr>
+          <p:cNvPr id="103" name="Oval 102">
+            <a:extLst>
+              <a:ext uri="{FF2B5EF4-FFF2-40B4-BE49-F238E27FC236}">
+                <a16:creationId xmlns:a16="http://schemas.microsoft.com/office/drawing/2014/main" id="{E23FC181-E0B2-4D49-AE71-A6FEAB78757A}"/>
+              </a:ext>
+            </a:extLst>
+          </p:cNvPr>
+          <p:cNvSpPr/>
+          <p:nvPr/>
+        </p:nvSpPr>
+        <p:spPr>
+          <a:xfrm flipV="1">
+            <a:off x="8719921" y="4499519"/>
+            <a:ext cx="76200" cy="118864"/>
+          </a:xfrm>
+          <a:prstGeom prst="ellipse">
+            <a:avLst/>
+          </a:prstGeom>
+          <a:solidFill>
+            <a:schemeClr val="accent5"/>
+          </a:solidFill>
+          <a:ln w="9525">
+            <a:solidFill>
+              <a:schemeClr val="accent5"/>
+            </a:solidFill>
+          </a:ln>
+        </p:spPr>
+        <p:style>
+          <a:lnRef idx="2">
+            <a:schemeClr val="accent1">
+              <a:shade val="50000"/>
+            </a:schemeClr>
+          </a:lnRef>
+          <a:fillRef idx="1">
+            <a:schemeClr val="accent1"/>
+          </a:fillRef>
+          <a:effectRef idx="0">
+            <a:schemeClr val="accent1"/>
+          </a:effectRef>
+          <a:fontRef idx="minor">
+            <a:schemeClr val="lt1"/>
+          </a:fontRef>
+        </p:style>
+        <p:txBody>
+          <a:bodyPr rtlCol="0" anchor="ctr"/>
+          <a:lstStyle/>
+          <a:p>
+            <a:pPr algn="ctr"/>
+            <a:endParaRPr lang="ro-RO" dirty="0"/>
+          </a:p>
+        </p:txBody>
+      </p:sp>
+      <p:cxnSp>
+        <p:nvCxnSpPr>
+          <p:cNvPr id="105" name="Straight Arrow Connector 104">
+            <a:extLst>
+              <a:ext uri="{FF2B5EF4-FFF2-40B4-BE49-F238E27FC236}">
+                <a16:creationId xmlns:a16="http://schemas.microsoft.com/office/drawing/2014/main" id="{4D1096F6-A164-DF43-9846-A493A116CB32}"/>
+              </a:ext>
+            </a:extLst>
+          </p:cNvPr>
+          <p:cNvCxnSpPr>
+            <a:cxnSpLocks/>
+          </p:cNvCxnSpPr>
+          <p:nvPr/>
+        </p:nvCxnSpPr>
+        <p:spPr>
+          <a:xfrm>
+            <a:off x="8253201" y="4440527"/>
+            <a:ext cx="466720" cy="155109"/>
+          </a:xfrm>
+          <a:prstGeom prst="straightConnector1">
+            <a:avLst/>
+          </a:prstGeom>
+          <a:ln w="12700">
+            <a:solidFill>
+              <a:schemeClr val="accent5"/>
+            </a:solidFill>
+            <a:tailEnd type="triangle"/>
+          </a:ln>
+        </p:spPr>
+        <p:style>
+          <a:lnRef idx="1">
+            <a:schemeClr val="accent5"/>
+          </a:lnRef>
+          <a:fillRef idx="0">
+            <a:schemeClr val="accent5"/>
+          </a:fillRef>
+          <a:effectRef idx="0">
+            <a:schemeClr val="accent5"/>
+          </a:effectRef>
+          <a:fontRef idx="minor">
+            <a:schemeClr val="tx1"/>
+          </a:fontRef>
+        </p:style>
+      </p:cxnSp>
+      <p:cxnSp>
+        <p:nvCxnSpPr>
+          <p:cNvPr id="108" name="Straight Arrow Connector 107">
+            <a:extLst>
+              <a:ext uri="{FF2B5EF4-FFF2-40B4-BE49-F238E27FC236}">
+                <a16:creationId xmlns:a16="http://schemas.microsoft.com/office/drawing/2014/main" id="{73949A2F-31FC-E54E-BBD7-FFA5F7388FB0}"/>
+              </a:ext>
+            </a:extLst>
+          </p:cNvPr>
+          <p:cNvCxnSpPr>
+            <a:cxnSpLocks/>
+            <a:endCxn id="103" idx="0"/>
+          </p:cNvCxnSpPr>
+          <p:nvPr/>
+        </p:nvCxnSpPr>
+        <p:spPr>
+          <a:xfrm>
+            <a:off x="8229600" y="4544786"/>
+            <a:ext cx="528421" cy="73597"/>
+          </a:xfrm>
+          <a:prstGeom prst="straightConnector1">
+            <a:avLst/>
+          </a:prstGeom>
+          <a:ln w="12700">
+            <a:solidFill>
+              <a:schemeClr val="accent5"/>
+            </a:solidFill>
+            <a:tailEnd type="triangle"/>
+          </a:ln>
+        </p:spPr>
+        <p:style>
+          <a:lnRef idx="1">
+            <a:schemeClr val="accent5"/>
+          </a:lnRef>
+          <a:fillRef idx="0">
+            <a:schemeClr val="accent5"/>
+          </a:fillRef>
+          <a:effectRef idx="0">
+            <a:schemeClr val="accent5"/>
+          </a:effectRef>
+          <a:fontRef idx="minor">
+            <a:schemeClr val="tx1"/>
+          </a:fontRef>
+        </p:style>
+      </p:cxnSp>
+      <p:cxnSp>
+        <p:nvCxnSpPr>
+          <p:cNvPr id="111" name="Straight Arrow Connector 110">
+            <a:extLst>
+              <a:ext uri="{FF2B5EF4-FFF2-40B4-BE49-F238E27FC236}">
+                <a16:creationId xmlns:a16="http://schemas.microsoft.com/office/drawing/2014/main" id="{2109606A-544E-E84F-8845-1C300B434598}"/>
+              </a:ext>
+            </a:extLst>
+          </p:cNvPr>
+          <p:cNvCxnSpPr>
+            <a:cxnSpLocks/>
+          </p:cNvCxnSpPr>
+          <p:nvPr/>
+        </p:nvCxnSpPr>
+        <p:spPr>
+          <a:xfrm flipH="1">
+            <a:off x="8080514" y="4640903"/>
+            <a:ext cx="599667" cy="203443"/>
+          </a:xfrm>
+          <a:prstGeom prst="straightConnector1">
+            <a:avLst/>
+          </a:prstGeom>
+          <a:ln w="12700">
+            <a:solidFill>
+              <a:schemeClr val="accent5"/>
+            </a:solidFill>
+            <a:tailEnd type="triangle"/>
+          </a:ln>
+        </p:spPr>
+        <p:style>
+          <a:lnRef idx="1">
+            <a:schemeClr val="accent5"/>
+          </a:lnRef>
+          <a:fillRef idx="0">
+            <a:schemeClr val="accent5"/>
+          </a:fillRef>
+          <a:effectRef idx="0">
+            <a:schemeClr val="accent5"/>
+          </a:effectRef>
+          <a:fontRef idx="minor">
+            <a:schemeClr val="tx1"/>
+          </a:fontRef>
+        </p:style>
+      </p:cxnSp>
+      <p:cxnSp>
+        <p:nvCxnSpPr>
+          <p:cNvPr id="114" name="Straight Arrow Connector 113">
+            <a:extLst>
+              <a:ext uri="{FF2B5EF4-FFF2-40B4-BE49-F238E27FC236}">
+                <a16:creationId xmlns:a16="http://schemas.microsoft.com/office/drawing/2014/main" id="{08D92121-B473-FE48-96BE-7DF3F7E510DD}"/>
+              </a:ext>
+            </a:extLst>
+          </p:cNvPr>
+          <p:cNvCxnSpPr>
+            <a:cxnSpLocks/>
+          </p:cNvCxnSpPr>
+          <p:nvPr/>
+        </p:nvCxnSpPr>
+        <p:spPr>
+          <a:xfrm flipH="1" flipV="1">
+            <a:off x="2693501" y="5476236"/>
+            <a:ext cx="4660623" cy="600766"/>
+          </a:xfrm>
+          <a:prstGeom prst="straightConnector1">
+            <a:avLst/>
+          </a:prstGeom>
+          <a:ln w="12700">
+            <a:solidFill>
+              <a:schemeClr val="accent5"/>
+            </a:solidFill>
+            <a:tailEnd type="triangle"/>
+          </a:ln>
+        </p:spPr>
+        <p:style>
+          <a:lnRef idx="1">
+            <a:schemeClr val="accent5"/>
+          </a:lnRef>
+          <a:fillRef idx="0">
+            <a:schemeClr val="accent5"/>
+          </a:fillRef>
+          <a:effectRef idx="0">
+            <a:schemeClr val="accent5"/>
+          </a:effectRef>
+          <a:fontRef idx="minor">
+            <a:schemeClr val="tx1"/>
+          </a:fontRef>
+        </p:style>
+      </p:cxnSp>
+      <p:cxnSp>
+        <p:nvCxnSpPr>
+          <p:cNvPr id="119" name="Straight Arrow Connector 118">
+            <a:extLst>
+              <a:ext uri="{FF2B5EF4-FFF2-40B4-BE49-F238E27FC236}">
+                <a16:creationId xmlns:a16="http://schemas.microsoft.com/office/drawing/2014/main" id="{CEEEB522-B1BE-B647-A122-E6E3EE5DE605}"/>
+              </a:ext>
+            </a:extLst>
+          </p:cNvPr>
+          <p:cNvCxnSpPr>
+            <a:cxnSpLocks/>
+          </p:cNvCxnSpPr>
+          <p:nvPr/>
+        </p:nvCxnSpPr>
+        <p:spPr>
+          <a:xfrm flipH="1" flipV="1">
+            <a:off x="3876261" y="3760474"/>
+            <a:ext cx="3471452" cy="2215695"/>
+          </a:xfrm>
+          <a:prstGeom prst="straightConnector1">
+            <a:avLst/>
+          </a:prstGeom>
+          <a:ln w="12700">
+            <a:solidFill>
+              <a:schemeClr val="accent5"/>
+            </a:solidFill>
+            <a:tailEnd type="triangle"/>
+          </a:ln>
+        </p:spPr>
+        <p:style>
+          <a:lnRef idx="1">
+            <a:schemeClr val="accent5"/>
+          </a:lnRef>
+          <a:fillRef idx="0">
+            <a:schemeClr val="accent5"/>
+          </a:fillRef>
+          <a:effectRef idx="0">
+            <a:schemeClr val="accent5"/>
+          </a:effectRef>
+          <a:fontRef idx="minor">
+            <a:schemeClr val="tx1"/>
+          </a:fontRef>
+        </p:style>
+      </p:cxnSp>
+      <p:cxnSp>
+        <p:nvCxnSpPr>
+          <p:cNvPr id="122" name="Straight Arrow Connector 121">
+            <a:extLst>
+              <a:ext uri="{FF2B5EF4-FFF2-40B4-BE49-F238E27FC236}">
+                <a16:creationId xmlns:a16="http://schemas.microsoft.com/office/drawing/2014/main" id="{2B245E51-B242-A642-BD47-F0FBA012E704}"/>
+              </a:ext>
+            </a:extLst>
+          </p:cNvPr>
+          <p:cNvCxnSpPr>
+            <a:cxnSpLocks/>
+          </p:cNvCxnSpPr>
+          <p:nvPr/>
+        </p:nvCxnSpPr>
+        <p:spPr>
+          <a:xfrm flipH="1" flipV="1">
+            <a:off x="2532830" y="4333050"/>
+            <a:ext cx="4838695" cy="1683808"/>
+          </a:xfrm>
+          <a:prstGeom prst="straightConnector1">
+            <a:avLst/>
+          </a:prstGeom>
+          <a:ln w="12700">
+            <a:solidFill>
+              <a:schemeClr val="accent5"/>
+            </a:solidFill>
+            <a:tailEnd type="triangle"/>
+          </a:ln>
+        </p:spPr>
+        <p:style>
+          <a:lnRef idx="1">
+            <a:schemeClr val="accent5"/>
+          </a:lnRef>
+          <a:fillRef idx="0">
+            <a:schemeClr val="accent5"/>
+          </a:fillRef>
+          <a:effectRef idx="0">
+            <a:schemeClr val="accent5"/>
+          </a:effectRef>
+          <a:fontRef idx="minor">
+            <a:schemeClr val="tx1"/>
+          </a:fontRef>
+        </p:style>
+      </p:cxnSp>
+      <p:cxnSp>
+        <p:nvCxnSpPr>
+          <p:cNvPr id="126" name="Straight Arrow Connector 125">
+            <a:extLst>
+              <a:ext uri="{FF2B5EF4-FFF2-40B4-BE49-F238E27FC236}">
+                <a16:creationId xmlns:a16="http://schemas.microsoft.com/office/drawing/2014/main" id="{1BCF4BE7-F1A4-AA41-B28A-61C8619162EF}"/>
+              </a:ext>
+            </a:extLst>
+          </p:cNvPr>
+          <p:cNvCxnSpPr>
+            <a:cxnSpLocks/>
+          </p:cNvCxnSpPr>
+          <p:nvPr/>
+        </p:nvCxnSpPr>
+        <p:spPr>
+          <a:xfrm flipV="1">
+            <a:off x="5828022" y="4555567"/>
+            <a:ext cx="1970882" cy="1613285"/>
+          </a:xfrm>
+          <a:prstGeom prst="straightConnector1">
+            <a:avLst/>
+          </a:prstGeom>
+          <a:ln w="12700">
+            <a:solidFill>
+              <a:schemeClr val="accent5"/>
+            </a:solidFill>
+            <a:tailEnd type="triangle"/>
+          </a:ln>
+        </p:spPr>
+        <p:style>
+          <a:lnRef idx="1">
+            <a:schemeClr val="accent5"/>
+          </a:lnRef>
+          <a:fillRef idx="0">
+            <a:schemeClr val="accent5"/>
+          </a:fillRef>
+          <a:effectRef idx="0">
+            <a:schemeClr val="accent5"/>
+          </a:effectRef>
+          <a:fontRef idx="minor">
+            <a:schemeClr val="tx1"/>
+          </a:fontRef>
+        </p:style>
+      </p:cxnSp>
+      <p:cxnSp>
+        <p:nvCxnSpPr>
+          <p:cNvPr id="129" name="Straight Arrow Connector 128">
+            <a:extLst>
+              <a:ext uri="{FF2B5EF4-FFF2-40B4-BE49-F238E27FC236}">
+                <a16:creationId xmlns:a16="http://schemas.microsoft.com/office/drawing/2014/main" id="{071DABB7-D184-2F41-9E0B-1D6CBBDE58C2}"/>
+              </a:ext>
+            </a:extLst>
+          </p:cNvPr>
+          <p:cNvCxnSpPr>
+            <a:cxnSpLocks/>
+            <a:stCxn id="153" idx="3"/>
+          </p:cNvCxnSpPr>
+          <p:nvPr/>
+        </p:nvCxnSpPr>
+        <p:spPr>
+          <a:xfrm flipH="1" flipV="1">
+            <a:off x="5522016" y="2883021"/>
+            <a:ext cx="631524" cy="875222"/>
+          </a:xfrm>
+          <a:prstGeom prst="straightConnector1">
+            <a:avLst/>
+          </a:prstGeom>
+          <a:ln w="12700">
+            <a:solidFill>
+              <a:schemeClr val="accent5"/>
+            </a:solidFill>
+            <a:tailEnd type="triangle"/>
+          </a:ln>
+        </p:spPr>
+        <p:style>
+          <a:lnRef idx="1">
+            <a:schemeClr val="accent5"/>
+          </a:lnRef>
+          <a:fillRef idx="0">
+            <a:schemeClr val="accent5"/>
+          </a:fillRef>
+          <a:effectRef idx="0">
+            <a:schemeClr val="accent5"/>
+          </a:effectRef>
+          <a:fontRef idx="minor">
+            <a:schemeClr val="tx1"/>
+          </a:fontRef>
+        </p:style>
+      </p:cxnSp>
+      <p:cxnSp>
+        <p:nvCxnSpPr>
+          <p:cNvPr id="132" name="Straight Arrow Connector 131">
+            <a:extLst>
+              <a:ext uri="{FF2B5EF4-FFF2-40B4-BE49-F238E27FC236}">
+                <a16:creationId xmlns:a16="http://schemas.microsoft.com/office/drawing/2014/main" id="{183BA7D9-D030-764F-8C1F-E5DAD61832D6}"/>
+              </a:ext>
+            </a:extLst>
+          </p:cNvPr>
+          <p:cNvCxnSpPr>
+            <a:cxnSpLocks/>
+          </p:cNvCxnSpPr>
+          <p:nvPr/>
+        </p:nvCxnSpPr>
+        <p:spPr>
+          <a:xfrm flipH="1" flipV="1">
+            <a:off x="5339797" y="2971800"/>
+            <a:ext cx="2076453" cy="2885693"/>
+          </a:xfrm>
+          <a:prstGeom prst="straightConnector1">
+            <a:avLst/>
+          </a:prstGeom>
+          <a:ln w="12700">
+            <a:solidFill>
+              <a:schemeClr val="accent5"/>
+            </a:solidFill>
+            <a:tailEnd type="triangle"/>
+          </a:ln>
+        </p:spPr>
+        <p:style>
+          <a:lnRef idx="1">
+            <a:schemeClr val="accent5"/>
+          </a:lnRef>
+          <a:fillRef idx="0">
+            <a:schemeClr val="accent5"/>
+          </a:fillRef>
+          <a:effectRef idx="0">
+            <a:schemeClr val="accent5"/>
+          </a:effectRef>
+          <a:fontRef idx="minor">
+            <a:schemeClr val="tx1"/>
+          </a:fontRef>
+        </p:style>
+      </p:cxnSp>
+      <p:cxnSp>
+        <p:nvCxnSpPr>
+          <p:cNvPr id="141" name="Straight Arrow Connector 140">
+            <a:extLst>
+              <a:ext uri="{FF2B5EF4-FFF2-40B4-BE49-F238E27FC236}">
+                <a16:creationId xmlns:a16="http://schemas.microsoft.com/office/drawing/2014/main" id="{2AAAC3D5-4F05-784D-890D-7A19718B30EF}"/>
+              </a:ext>
+            </a:extLst>
+          </p:cNvPr>
+          <p:cNvCxnSpPr>
+            <a:cxnSpLocks/>
+          </p:cNvCxnSpPr>
+          <p:nvPr/>
+        </p:nvCxnSpPr>
+        <p:spPr>
+          <a:xfrm flipH="1">
+            <a:off x="2404317" y="4666768"/>
+            <a:ext cx="1929511" cy="591032"/>
+          </a:xfrm>
+          <a:prstGeom prst="straightConnector1">
+            <a:avLst/>
+          </a:prstGeom>
+          <a:ln w="12700">
+            <a:solidFill>
+              <a:schemeClr val="accent5"/>
+            </a:solidFill>
+            <a:tailEnd type="triangle"/>
+          </a:ln>
+        </p:spPr>
+        <p:style>
+          <a:lnRef idx="1">
+            <a:schemeClr val="accent5"/>
+          </a:lnRef>
+          <a:fillRef idx="0">
+            <a:schemeClr val="accent5"/>
+          </a:fillRef>
+          <a:effectRef idx="0">
+            <a:schemeClr val="accent5"/>
+          </a:effectRef>
+          <a:fontRef idx="minor">
+            <a:schemeClr val="tx1"/>
+          </a:fontRef>
+        </p:style>
+      </p:cxnSp>
+      <p:sp>
+        <p:nvSpPr>
+          <p:cNvPr id="153" name="Oval 152">
+            <a:extLst>
+              <a:ext uri="{FF2B5EF4-FFF2-40B4-BE49-F238E27FC236}">
+                <a16:creationId xmlns:a16="http://schemas.microsoft.com/office/drawing/2014/main" id="{68D56B4D-70B6-B547-AC3D-36B8389AB458}"/>
+              </a:ext>
+            </a:extLst>
+          </p:cNvPr>
+          <p:cNvSpPr/>
+          <p:nvPr/>
+        </p:nvSpPr>
+        <p:spPr>
+          <a:xfrm flipV="1">
+            <a:off x="6142381" y="3740836"/>
+            <a:ext cx="76200" cy="118864"/>
+          </a:xfrm>
+          <a:prstGeom prst="ellipse">
+            <a:avLst/>
+          </a:prstGeom>
+          <a:solidFill>
+            <a:schemeClr val="accent5"/>
+          </a:solidFill>
+          <a:ln w="9525">
+            <a:solidFill>
+              <a:schemeClr val="accent5"/>
+            </a:solidFill>
+          </a:ln>
+        </p:spPr>
+        <p:style>
+          <a:lnRef idx="2">
+            <a:schemeClr val="accent1">
+              <a:shade val="50000"/>
+            </a:schemeClr>
+          </a:lnRef>
+          <a:fillRef idx="1">
+            <a:schemeClr val="accent1"/>
+          </a:fillRef>
+          <a:effectRef idx="0">
+            <a:schemeClr val="accent1"/>
+          </a:effectRef>
+          <a:fontRef idx="minor">
+            <a:schemeClr val="lt1"/>
+          </a:fontRef>
+        </p:style>
+        <p:txBody>
+          <a:bodyPr rtlCol="0" anchor="ctr"/>
+          <a:lstStyle/>
+          <a:p>
+            <a:pPr algn="ctr"/>
+            <a:endParaRPr lang="ro-RO" dirty="0"/>
+          </a:p>
+        </p:txBody>
+      </p:sp>
+      <p:cxnSp>
+        <p:nvCxnSpPr>
+          <p:cNvPr id="154" name="Straight Arrow Connector 153">
+            <a:extLst>
+              <a:ext uri="{FF2B5EF4-FFF2-40B4-BE49-F238E27FC236}">
+                <a16:creationId xmlns:a16="http://schemas.microsoft.com/office/drawing/2014/main" id="{137762D4-A645-9C4E-996C-1EB471FF9D23}"/>
+              </a:ext>
+            </a:extLst>
+          </p:cNvPr>
+          <p:cNvCxnSpPr>
+            <a:cxnSpLocks/>
+            <a:endCxn id="153" idx="5"/>
+          </p:cNvCxnSpPr>
+          <p:nvPr/>
+        </p:nvCxnSpPr>
+        <p:spPr>
+          <a:xfrm flipH="1" flipV="1">
+            <a:off x="6207422" y="3758243"/>
+            <a:ext cx="1391045" cy="563826"/>
+          </a:xfrm>
+          <a:prstGeom prst="straightConnector1">
+            <a:avLst/>
+          </a:prstGeom>
+          <a:ln w="12700">
+            <a:solidFill>
+              <a:schemeClr val="accent5"/>
+            </a:solidFill>
+            <a:tailEnd type="triangle"/>
+          </a:ln>
+        </p:spPr>
+        <p:style>
+          <a:lnRef idx="1">
+            <a:schemeClr val="accent5"/>
+          </a:lnRef>
+          <a:fillRef idx="0">
+            <a:schemeClr val="accent5"/>
+          </a:fillRef>
+          <a:effectRef idx="0">
+            <a:schemeClr val="accent5"/>
+          </a:effectRef>
+          <a:fontRef idx="minor">
+            <a:schemeClr val="tx1"/>
+          </a:fontRef>
+        </p:style>
+      </p:cxnSp>
+      <p:cxnSp>
+        <p:nvCxnSpPr>
+          <p:cNvPr id="159" name="Straight Arrow Connector 158">
+            <a:extLst>
+              <a:ext uri="{FF2B5EF4-FFF2-40B4-BE49-F238E27FC236}">
+                <a16:creationId xmlns:a16="http://schemas.microsoft.com/office/drawing/2014/main" id="{56779038-11F3-0741-BA67-5D14F79BA744}"/>
+              </a:ext>
+            </a:extLst>
+          </p:cNvPr>
+          <p:cNvCxnSpPr>
+            <a:cxnSpLocks/>
+          </p:cNvCxnSpPr>
+          <p:nvPr/>
+        </p:nvCxnSpPr>
+        <p:spPr>
+          <a:xfrm flipH="1" flipV="1">
+            <a:off x="3609236" y="3551404"/>
+            <a:ext cx="2513268" cy="226548"/>
+          </a:xfrm>
+          <a:prstGeom prst="straightConnector1">
+            <a:avLst/>
+          </a:prstGeom>
+          <a:ln w="12700">
+            <a:solidFill>
+              <a:schemeClr val="accent5"/>
+            </a:solidFill>
+            <a:tailEnd type="triangle"/>
+          </a:ln>
+        </p:spPr>
+        <p:style>
+          <a:lnRef idx="1">
+            <a:schemeClr val="accent5"/>
+          </a:lnRef>
+          <a:fillRef idx="0">
+            <a:schemeClr val="accent5"/>
+          </a:fillRef>
+          <a:effectRef idx="0">
+            <a:schemeClr val="accent5"/>
+          </a:effectRef>
+          <a:fontRef idx="minor">
+            <a:schemeClr val="tx1"/>
+          </a:fontRef>
+        </p:style>
+      </p:cxnSp>
+      <p:cxnSp>
+        <p:nvCxnSpPr>
+          <p:cNvPr id="163" name="Straight Arrow Connector 162">
+            <a:extLst>
+              <a:ext uri="{FF2B5EF4-FFF2-40B4-BE49-F238E27FC236}">
+                <a16:creationId xmlns:a16="http://schemas.microsoft.com/office/drawing/2014/main" id="{5CAA1186-888F-DA43-BC51-E0B49B7230D4}"/>
+              </a:ext>
+            </a:extLst>
+          </p:cNvPr>
+          <p:cNvCxnSpPr>
+            <a:cxnSpLocks/>
+            <a:stCxn id="153" idx="2"/>
+          </p:cNvCxnSpPr>
+          <p:nvPr/>
+        </p:nvCxnSpPr>
+        <p:spPr>
+          <a:xfrm flipH="1">
+            <a:off x="2257483" y="3800268"/>
+            <a:ext cx="3884898" cy="331149"/>
+          </a:xfrm>
+          <a:prstGeom prst="straightConnector1">
+            <a:avLst/>
+          </a:prstGeom>
+          <a:ln w="12700">
+            <a:solidFill>
+              <a:schemeClr val="accent5"/>
+            </a:solidFill>
+            <a:tailEnd type="triangle"/>
+          </a:ln>
+        </p:spPr>
+        <p:style>
+          <a:lnRef idx="1">
+            <a:schemeClr val="accent5"/>
+          </a:lnRef>
+          <a:fillRef idx="0">
+            <a:schemeClr val="accent5"/>
+          </a:fillRef>
+          <a:effectRef idx="0">
+            <a:schemeClr val="accent5"/>
+          </a:effectRef>
+          <a:fontRef idx="minor">
+            <a:schemeClr val="tx1"/>
+          </a:fontRef>
+        </p:style>
+      </p:cxnSp>
+      <p:cxnSp>
+        <p:nvCxnSpPr>
+          <p:cNvPr id="170" name="Straight Arrow Connector 169">
+            <a:extLst>
+              <a:ext uri="{FF2B5EF4-FFF2-40B4-BE49-F238E27FC236}">
+                <a16:creationId xmlns:a16="http://schemas.microsoft.com/office/drawing/2014/main" id="{0BD4727C-DC8B-614E-991C-7738E9542797}"/>
+              </a:ext>
+            </a:extLst>
+          </p:cNvPr>
+          <p:cNvCxnSpPr>
+            <a:cxnSpLocks/>
+          </p:cNvCxnSpPr>
+          <p:nvPr/>
+        </p:nvCxnSpPr>
+        <p:spPr>
+          <a:xfrm flipH="1" flipV="1">
+            <a:off x="3538369" y="3685762"/>
+            <a:ext cx="1697935" cy="2466095"/>
+          </a:xfrm>
+          <a:prstGeom prst="straightConnector1">
+            <a:avLst/>
+          </a:prstGeom>
+          <a:ln w="12700">
+            <a:solidFill>
+              <a:schemeClr val="accent5"/>
+            </a:solidFill>
+            <a:tailEnd type="triangle"/>
+          </a:ln>
+        </p:spPr>
+        <p:style>
+          <a:lnRef idx="1">
+            <a:schemeClr val="accent5"/>
+          </a:lnRef>
+          <a:fillRef idx="0">
+            <a:schemeClr val="accent5"/>
+          </a:fillRef>
+          <a:effectRef idx="0">
+            <a:schemeClr val="accent5"/>
+          </a:effectRef>
+          <a:fontRef idx="minor">
+            <a:schemeClr val="tx1"/>
+          </a:fontRef>
+        </p:style>
+      </p:cxnSp>
+      <p:cxnSp>
+        <p:nvCxnSpPr>
+          <p:cNvPr id="63" name="Straight Arrow Connector 62">
+            <a:extLst>
+              <a:ext uri="{FF2B5EF4-FFF2-40B4-BE49-F238E27FC236}">
+                <a16:creationId xmlns:a16="http://schemas.microsoft.com/office/drawing/2014/main" id="{A37E3413-3328-924B-B473-1F3C3667CE8A}"/>
+              </a:ext>
+            </a:extLst>
+          </p:cNvPr>
+          <p:cNvCxnSpPr>
+            <a:cxnSpLocks/>
+          </p:cNvCxnSpPr>
+          <p:nvPr/>
+        </p:nvCxnSpPr>
+        <p:spPr>
+          <a:xfrm flipH="1" flipV="1">
+            <a:off x="5215464" y="2971800"/>
+            <a:ext cx="499536" cy="3163511"/>
+          </a:xfrm>
+          <a:prstGeom prst="straightConnector1">
+            <a:avLst/>
+          </a:prstGeom>
+          <a:ln w="12700">
+            <a:solidFill>
+              <a:schemeClr val="accent5"/>
+            </a:solidFill>
+            <a:tailEnd type="triangle"/>
+          </a:ln>
+        </p:spPr>
+        <p:style>
+          <a:lnRef idx="1">
+            <a:schemeClr val="accent5"/>
+          </a:lnRef>
+          <a:fillRef idx="0">
+            <a:schemeClr val="accent5"/>
+          </a:fillRef>
+          <a:effectRef idx="0">
+            <a:schemeClr val="accent5"/>
+          </a:effectRef>
+          <a:fontRef idx="minor">
+            <a:schemeClr val="tx1"/>
+          </a:fontRef>
+        </p:style>
+      </p:cxnSp>
+    </p:spTree>
+    <p:extLst>
+      <p:ext uri="{BB962C8B-B14F-4D97-AF65-F5344CB8AC3E}">
+        <p14:creationId xmlns:p14="http://schemas.microsoft.com/office/powerpoint/2010/main" val="2335668305"/>
+      </p:ext>
+    </p:extLst>
+  </p:cSld>
+  <p:clrMapOvr>
+    <a:masterClrMapping/>
+  </p:clrMapOvr>
+  <p:transition>
+    <p:random/>
+  </p:transition>
+</p:sld>
+</file>
+
+<file path=ppt/slides/slide4.xml><?xml version="1.0" encoding="utf-8"?>
 <p:sld xmlns:a="http://schemas.openxmlformats.org/drawingml/2006/main" xmlns:r="http://schemas.openxmlformats.org/officeDocument/2006/relationships" xmlns:p="http://schemas.openxmlformats.org/presentationml/2006/main">
   <p:cSld>
     <p:spTree>

--- a/06_Triggers/06-03_en_Triggers - part 3.pptx
+++ b/06_Triggers/06-03_en_Triggers - part 3.pptx
@@ -4741,7 +4741,14 @@
                 <a:latin typeface="Gabriola" pitchFamily="82" charset="0"/>
                 <a:cs typeface="Vani" pitchFamily="34" charset="0"/>
               </a:rPr>
-              <a:t>By Marin Fotache &amp; Co.</a:t>
+              <a:t>By Marin Fotache &amp; </a:t>
+            </a:r>
+            <a:r>
+              <a:rPr lang="en-US" sz="4400" b="1">
+                <a:latin typeface="Gabriola" pitchFamily="82" charset="0"/>
+                <a:cs typeface="Vani" pitchFamily="34" charset="0"/>
+              </a:rPr>
+              <a:t>Co. </a:t>
             </a:r>
             <a:endParaRPr lang="ro-RO" sz="4400" b="1" dirty="0">
               <a:latin typeface="Gabriola" pitchFamily="82" charset="0"/>
